--- a/slides/Unit29_Standard IO.pptx
+++ b/slides/Unit29_Standard IO.pptx
@@ -187,7 +187,7 @@
 <file path=ppt/revisionInfo.xml><?xml version="1.0" encoding="utf-8"?>
 <p1510:revInfo xmlns:a="http://schemas.openxmlformats.org/drawingml/2006/main" xmlns:r="http://schemas.openxmlformats.org/officeDocument/2006/relationships" xmlns:p1510="http://schemas.microsoft.com/office/powerpoint/2015/10/main">
   <p1510:revLst>
-    <p1510:client id="{821AB6FD-D1B0-4601-B0E5-CAB84D8B3F31}" v="1132" dt="2021-03-16T05:02:53.887"/>
+    <p1510:client id="{821AB6FD-D1B0-4601-B0E5-CAB84D8B3F31}" v="1293" dt="2021-04-05T01:25:13.225"/>
   </p1510:revLst>
 </p1510:revInfo>
 </file>
@@ -2196,234 +2196,24 @@
     </pc:docChg>
   </pc:docChgLst>
   <pc:docChgLst>
-    <pc:chgData name="Zhao Jin" userId="cd05a825-544c-438a-9ba1-08e63db50b47" providerId="ADAL" clId="{CD38D953-E846-244A-835A-192CE52710D4}"/>
-    <pc:docChg chg="undo custSel addSld delSld modSld">
-      <pc:chgData name="Zhao Jin" userId="cd05a825-544c-438a-9ba1-08e63db50b47" providerId="ADAL" clId="{CD38D953-E846-244A-835A-192CE52710D4}" dt="2021-01-25T03:26:17.801" v="482" actId="20577"/>
+    <pc:chgData name="Zhao Jin" userId="cd05a825-544c-438a-9ba1-08e63db50b47" providerId="ADAL" clId="{EE304368-770C-034A-9CE3-E7425B04DF6C}"/>
+    <pc:docChg chg="modSld">
+      <pc:chgData name="Zhao Jin" userId="cd05a825-544c-438a-9ba1-08e63db50b47" providerId="ADAL" clId="{EE304368-770C-034A-9CE3-E7425B04DF6C}" dt="2021-04-05T07:20:54.090" v="0" actId="20577"/>
       <pc:docMkLst>
         <pc:docMk/>
       </pc:docMkLst>
-      <pc:sldChg chg="modSp addAnim delAnim modAnim">
-        <pc:chgData name="Zhao Jin" userId="cd05a825-544c-438a-9ba1-08e63db50b47" providerId="ADAL" clId="{CD38D953-E846-244A-835A-192CE52710D4}" dt="2021-01-25T03:18:14.928" v="172"/>
+      <pc:sldChg chg="modSp">
+        <pc:chgData name="Zhao Jin" userId="cd05a825-544c-438a-9ba1-08e63db50b47" providerId="ADAL" clId="{EE304368-770C-034A-9CE3-E7425B04DF6C}" dt="2021-04-05T07:20:54.090" v="0" actId="20577"/>
         <pc:sldMkLst>
           <pc:docMk/>
-          <pc:sldMk cId="1311126165" sldId="485"/>
+          <pc:sldMk cId="81373691" sldId="645"/>
         </pc:sldMkLst>
         <pc:spChg chg="mod">
-          <ac:chgData name="Zhao Jin" userId="cd05a825-544c-438a-9ba1-08e63db50b47" providerId="ADAL" clId="{CD38D953-E846-244A-835A-192CE52710D4}" dt="2021-01-25T03:16:30.240" v="159" actId="20577"/>
-          <ac:spMkLst>
-            <pc:docMk/>
-            <pc:sldMk cId="1311126165" sldId="485"/>
-            <ac:spMk id="11" creationId="{00000000-0000-0000-0000-000000000000}"/>
-          </ac:spMkLst>
-        </pc:spChg>
-        <pc:spChg chg="mod">
-          <ac:chgData name="Zhao Jin" userId="cd05a825-544c-438a-9ba1-08e63db50b47" providerId="ADAL" clId="{CD38D953-E846-244A-835A-192CE52710D4}" dt="2021-01-25T03:16:24.406" v="157" actId="1036"/>
-          <ac:spMkLst>
-            <pc:docMk/>
-            <pc:sldMk cId="1311126165" sldId="485"/>
-            <ac:spMk id="12" creationId="{149FB3A4-124F-4FB3-9CA1-6EA45A21DCBC}"/>
-          </ac:spMkLst>
-        </pc:spChg>
-        <pc:spChg chg="mod">
-          <ac:chgData name="Zhao Jin" userId="cd05a825-544c-438a-9ba1-08e63db50b47" providerId="ADAL" clId="{CD38D953-E846-244A-835A-192CE52710D4}" dt="2021-01-25T03:16:24.406" v="157" actId="1036"/>
-          <ac:spMkLst>
-            <pc:docMk/>
-            <pc:sldMk cId="1311126165" sldId="485"/>
-            <ac:spMk id="13" creationId="{24ED3F77-DB19-42FF-90A5-6260114FAC12}"/>
-          </ac:spMkLst>
-        </pc:spChg>
-      </pc:sldChg>
-      <pc:sldChg chg="modSp">
-        <pc:chgData name="Zhao Jin" userId="cd05a825-544c-438a-9ba1-08e63db50b47" providerId="ADAL" clId="{CD38D953-E846-244A-835A-192CE52710D4}" dt="2021-01-25T03:08:51.440" v="84" actId="20577"/>
-        <pc:sldMkLst>
-          <pc:docMk/>
-          <pc:sldMk cId="901453530" sldId="546"/>
-        </pc:sldMkLst>
-        <pc:spChg chg="mod">
-          <ac:chgData name="Zhao Jin" userId="cd05a825-544c-438a-9ba1-08e63db50b47" providerId="ADAL" clId="{CD38D953-E846-244A-835A-192CE52710D4}" dt="2021-01-25T03:08:51.440" v="84" actId="20577"/>
-          <ac:spMkLst>
-            <pc:docMk/>
-            <pc:sldMk cId="901453530" sldId="546"/>
-            <ac:spMk id="8" creationId="{00000000-0000-0000-0000-000000000000}"/>
-          </ac:spMkLst>
-        </pc:spChg>
-      </pc:sldChg>
-      <pc:sldChg chg="modSp">
-        <pc:chgData name="Zhao Jin" userId="cd05a825-544c-438a-9ba1-08e63db50b47" providerId="ADAL" clId="{CD38D953-E846-244A-835A-192CE52710D4}" dt="2021-01-25T03:11:48.514" v="112" actId="207"/>
-        <pc:sldMkLst>
-          <pc:docMk/>
-          <pc:sldMk cId="884841463" sldId="547"/>
-        </pc:sldMkLst>
-        <pc:spChg chg="mod">
-          <ac:chgData name="Zhao Jin" userId="cd05a825-544c-438a-9ba1-08e63db50b47" providerId="ADAL" clId="{CD38D953-E846-244A-835A-192CE52710D4}" dt="2021-01-25T03:11:48.514" v="112" actId="207"/>
-          <ac:spMkLst>
-            <pc:docMk/>
-            <pc:sldMk cId="884841463" sldId="547"/>
-            <ac:spMk id="8" creationId="{00000000-0000-0000-0000-000000000000}"/>
-          </ac:spMkLst>
-        </pc:spChg>
-      </pc:sldChg>
-      <pc:sldChg chg="modSp">
-        <pc:chgData name="Zhao Jin" userId="cd05a825-544c-438a-9ba1-08e63db50b47" providerId="ADAL" clId="{CD38D953-E846-244A-835A-192CE52710D4}" dt="2021-01-25T03:10:55.270" v="107" actId="20577"/>
-        <pc:sldMkLst>
-          <pc:docMk/>
-          <pc:sldMk cId="1617257579" sldId="548"/>
-        </pc:sldMkLst>
-        <pc:spChg chg="mod">
-          <ac:chgData name="Zhao Jin" userId="cd05a825-544c-438a-9ba1-08e63db50b47" providerId="ADAL" clId="{CD38D953-E846-244A-835A-192CE52710D4}" dt="2021-01-25T03:10:55.270" v="107" actId="20577"/>
-          <ac:spMkLst>
-            <pc:docMk/>
-            <pc:sldMk cId="1617257579" sldId="548"/>
-            <ac:spMk id="8" creationId="{00000000-0000-0000-0000-000000000000}"/>
-          </ac:spMkLst>
-        </pc:spChg>
-        <pc:spChg chg="mod">
-          <ac:chgData name="Zhao Jin" userId="cd05a825-544c-438a-9ba1-08e63db50b47" providerId="ADAL" clId="{CD38D953-E846-244A-835A-192CE52710D4}" dt="2021-01-25T03:09:46.206" v="102" actId="1035"/>
-          <ac:spMkLst>
-            <pc:docMk/>
-            <pc:sldMk cId="1617257579" sldId="548"/>
-            <ac:spMk id="9" creationId="{00000000-0000-0000-0000-000000000000}"/>
-          </ac:spMkLst>
-        </pc:spChg>
-      </pc:sldChg>
-      <pc:sldChg chg="addSp delSp modSp delAnim modAnim">
-        <pc:chgData name="Zhao Jin" userId="cd05a825-544c-438a-9ba1-08e63db50b47" providerId="ADAL" clId="{CD38D953-E846-244A-835A-192CE52710D4}" dt="2021-01-25T03:24:05.008" v="382"/>
-        <pc:sldMkLst>
-          <pc:docMk/>
-          <pc:sldMk cId="3394924879" sldId="549"/>
-        </pc:sldMkLst>
-        <pc:spChg chg="mod">
-          <ac:chgData name="Zhao Jin" userId="cd05a825-544c-438a-9ba1-08e63db50b47" providerId="ADAL" clId="{CD38D953-E846-244A-835A-192CE52710D4}" dt="2021-01-25T02:21:10.043" v="62" actId="20577"/>
-          <ac:spMkLst>
-            <pc:docMk/>
-            <pc:sldMk cId="3394924879" sldId="549"/>
-            <ac:spMk id="10" creationId="{00000000-0000-0000-0000-000000000000}"/>
-          </ac:spMkLst>
-        </pc:spChg>
-        <pc:spChg chg="add mod">
-          <ac:chgData name="Zhao Jin" userId="cd05a825-544c-438a-9ba1-08e63db50b47" providerId="ADAL" clId="{CD38D953-E846-244A-835A-192CE52710D4}" dt="2021-01-25T03:23:28.207" v="376" actId="1076"/>
-          <ac:spMkLst>
-            <pc:docMk/>
-            <pc:sldMk cId="3394924879" sldId="549"/>
-            <ac:spMk id="11" creationId="{CF30CDDD-4206-994C-A14B-ADCEC7C6B094}"/>
-          </ac:spMkLst>
-        </pc:spChg>
-        <pc:picChg chg="del">
-          <ac:chgData name="Zhao Jin" userId="cd05a825-544c-438a-9ba1-08e63db50b47" providerId="ADAL" clId="{CD38D953-E846-244A-835A-192CE52710D4}" dt="2021-01-25T03:15:27.398" v="115" actId="478"/>
-          <ac:picMkLst>
-            <pc:docMk/>
-            <pc:sldMk cId="3394924879" sldId="549"/>
-            <ac:picMk id="14" creationId="{9F0342D1-68B4-4418-BA3C-115BA014738F}"/>
-          </ac:picMkLst>
-        </pc:picChg>
-        <pc:picChg chg="add mod">
-          <ac:chgData name="Zhao Jin" userId="cd05a825-544c-438a-9ba1-08e63db50b47" providerId="ADAL" clId="{CD38D953-E846-244A-835A-192CE52710D4}" dt="2021-01-25T03:23:34.931" v="378" actId="1076"/>
-          <ac:picMkLst>
-            <pc:docMk/>
-            <pc:sldMk cId="3394924879" sldId="549"/>
-            <ac:picMk id="16" creationId="{1AA83BD7-4016-DB49-B6DC-C69FB6894961}"/>
-          </ac:picMkLst>
-        </pc:picChg>
-      </pc:sldChg>
-      <pc:sldChg chg="addSp delSp modSp addAnim delAnim modAnim">
-        <pc:chgData name="Zhao Jin" userId="cd05a825-544c-438a-9ba1-08e63db50b47" providerId="ADAL" clId="{CD38D953-E846-244A-835A-192CE52710D4}" dt="2021-01-25T03:26:17.801" v="482" actId="20577"/>
-        <pc:sldMkLst>
-          <pc:docMk/>
-          <pc:sldMk cId="784668950" sldId="550"/>
-        </pc:sldMkLst>
-        <pc:spChg chg="add del">
-          <ac:chgData name="Zhao Jin" userId="cd05a825-544c-438a-9ba1-08e63db50b47" providerId="ADAL" clId="{CD38D953-E846-244A-835A-192CE52710D4}" dt="2021-01-25T03:03:03.116" v="66" actId="478"/>
-          <ac:spMkLst>
-            <pc:docMk/>
-            <pc:sldMk cId="784668950" sldId="550"/>
-            <ac:spMk id="8" creationId="{9BA3CD25-E0A6-43C6-ACBF-2582BD134206}"/>
-          </ac:spMkLst>
-        </pc:spChg>
-        <pc:spChg chg="add del">
-          <ac:chgData name="Zhao Jin" userId="cd05a825-544c-438a-9ba1-08e63db50b47" providerId="ADAL" clId="{CD38D953-E846-244A-835A-192CE52710D4}" dt="2021-01-25T03:03:02.420" v="65"/>
-          <ac:spMkLst>
-            <pc:docMk/>
-            <pc:sldMk cId="784668950" sldId="550"/>
-            <ac:spMk id="9" creationId="{512F67EF-C498-8D43-817A-42B6CE524F76}"/>
-          </ac:spMkLst>
-        </pc:spChg>
-        <pc:spChg chg="add del mod">
-          <ac:chgData name="Zhao Jin" userId="cd05a825-544c-438a-9ba1-08e63db50b47" providerId="ADAL" clId="{CD38D953-E846-244A-835A-192CE52710D4}" dt="2021-01-25T03:26:17.801" v="482" actId="20577"/>
-          <ac:spMkLst>
-            <pc:docMk/>
-            <pc:sldMk cId="784668950" sldId="550"/>
-            <ac:spMk id="10" creationId="{00000000-0000-0000-0000-000000000000}"/>
-          </ac:spMkLst>
-        </pc:spChg>
-      </pc:sldChg>
-      <pc:sldChg chg="addSp delSp modSp add del addAnim delAnim">
-        <pc:chgData name="Zhao Jin" userId="cd05a825-544c-438a-9ba1-08e63db50b47" providerId="ADAL" clId="{CD38D953-E846-244A-835A-192CE52710D4}" dt="2021-01-25T03:08:44.385" v="80" actId="2696"/>
-        <pc:sldMkLst>
-          <pc:docMk/>
-          <pc:sldMk cId="335305844" sldId="551"/>
-        </pc:sldMkLst>
-        <pc:spChg chg="add del">
-          <ac:chgData name="Zhao Jin" userId="cd05a825-544c-438a-9ba1-08e63db50b47" providerId="ADAL" clId="{CD38D953-E846-244A-835A-192CE52710D4}" dt="2021-01-25T03:08:18.867" v="70"/>
-          <ac:spMkLst>
-            <pc:docMk/>
-            <pc:sldMk cId="335305844" sldId="551"/>
-            <ac:spMk id="2" creationId="{DC3EBD9F-7043-2B4B-93E2-27FFDA9DBEA2}"/>
-          </ac:spMkLst>
-        </pc:spChg>
-        <pc:spChg chg="add del mod">
-          <ac:chgData name="Zhao Jin" userId="cd05a825-544c-438a-9ba1-08e63db50b47" providerId="ADAL" clId="{CD38D953-E846-244A-835A-192CE52710D4}" dt="2021-01-25T03:08:32.511" v="77" actId="14100"/>
-          <ac:spMkLst>
-            <pc:docMk/>
-            <pc:sldMk cId="335305844" sldId="551"/>
-            <ac:spMk id="9" creationId="{00000000-0000-0000-0000-000000000000}"/>
-          </ac:spMkLst>
-        </pc:spChg>
-        <pc:spChg chg="add del">
-          <ac:chgData name="Zhao Jin" userId="cd05a825-544c-438a-9ba1-08e63db50b47" providerId="ADAL" clId="{CD38D953-E846-244A-835A-192CE52710D4}" dt="2021-01-25T03:08:34.550" v="78" actId="478"/>
-          <ac:spMkLst>
-            <pc:docMk/>
-            <pc:sldMk cId="335305844" sldId="551"/>
-            <ac:spMk id="10" creationId="{00000000-0000-0000-0000-000000000000}"/>
-          </ac:spMkLst>
-        </pc:spChg>
-        <pc:spChg chg="add del">
-          <ac:chgData name="Zhao Jin" userId="cd05a825-544c-438a-9ba1-08e63db50b47" providerId="ADAL" clId="{CD38D953-E846-244A-835A-192CE52710D4}" dt="2021-01-25T03:08:34.550" v="78" actId="478"/>
-          <ac:spMkLst>
-            <pc:docMk/>
-            <pc:sldMk cId="335305844" sldId="551"/>
-            <ac:spMk id="11" creationId="{D0457CA0-460D-4546-82C4-4CDEB1E2F62C}"/>
-          </ac:spMkLst>
-        </pc:spChg>
-        <pc:spChg chg="add del">
-          <ac:chgData name="Zhao Jin" userId="cd05a825-544c-438a-9ba1-08e63db50b47" providerId="ADAL" clId="{CD38D953-E846-244A-835A-192CE52710D4}" dt="2021-01-25T03:08:34.550" v="78" actId="478"/>
-          <ac:spMkLst>
-            <pc:docMk/>
-            <pc:sldMk cId="335305844" sldId="551"/>
-            <ac:spMk id="14" creationId="{00000000-0000-0000-0000-000000000000}"/>
-          </ac:spMkLst>
-        </pc:spChg>
-        <pc:spChg chg="add del">
-          <ac:chgData name="Zhao Jin" userId="cd05a825-544c-438a-9ba1-08e63db50b47" providerId="ADAL" clId="{CD38D953-E846-244A-835A-192CE52710D4}" dt="2021-01-25T03:08:34.550" v="78" actId="478"/>
-          <ac:spMkLst>
-            <pc:docMk/>
-            <pc:sldMk cId="335305844" sldId="551"/>
-            <ac:spMk id="15" creationId="{7EB43FB0-D261-4751-8823-0A4CC64F83DB}"/>
-          </ac:spMkLst>
-        </pc:spChg>
-        <pc:spChg chg="add del mod">
-          <ac:chgData name="Zhao Jin" userId="cd05a825-544c-438a-9ba1-08e63db50b47" providerId="ADAL" clId="{CD38D953-E846-244A-835A-192CE52710D4}" dt="2021-01-25T03:08:37.712" v="79" actId="20577"/>
-          <ac:spMkLst>
-            <pc:docMk/>
-            <pc:sldMk cId="335305844" sldId="551"/>
-            <ac:spMk id="17" creationId="{196941FF-7411-441D-AE2E-5CF96E80B024}"/>
-          </ac:spMkLst>
-        </pc:spChg>
-        <pc:spChg chg="add del">
-          <ac:chgData name="Zhao Jin" userId="cd05a825-544c-438a-9ba1-08e63db50b47" providerId="ADAL" clId="{CD38D953-E846-244A-835A-192CE52710D4}" dt="2021-01-25T03:08:22.144" v="71" actId="478"/>
-          <ac:spMkLst>
-            <pc:docMk/>
-            <pc:sldMk cId="335305844" sldId="551"/>
-            <ac:spMk id="18" creationId="{FC6CF3F5-B435-44FE-A32E-F676476A0C6D}"/>
+          <ac:chgData name="Zhao Jin" userId="cd05a825-544c-438a-9ba1-08e63db50b47" providerId="ADAL" clId="{EE304368-770C-034A-9CE3-E7425B04DF6C}" dt="2021-04-05T07:20:54.090" v="0" actId="20577"/>
+          <ac:spMkLst>
+            <pc:docMk/>
+            <pc:sldMk cId="81373691" sldId="645"/>
+            <ac:spMk id="9" creationId="{CA830449-8F73-41C7-A511-496EA8827B16}"/>
           </ac:spMkLst>
         </pc:spChg>
       </pc:sldChg>
@@ -3887,9 +3677,243 @@
     </pc:docChg>
   </pc:docChgLst>
   <pc:docChgLst>
+    <pc:chgData name="Zhao Jin" userId="cd05a825-544c-438a-9ba1-08e63db50b47" providerId="ADAL" clId="{CD38D953-E846-244A-835A-192CE52710D4}"/>
+    <pc:docChg chg="undo custSel addSld delSld modSld">
+      <pc:chgData name="Zhao Jin" userId="cd05a825-544c-438a-9ba1-08e63db50b47" providerId="ADAL" clId="{CD38D953-E846-244A-835A-192CE52710D4}" dt="2021-01-25T03:26:17.801" v="482" actId="20577"/>
+      <pc:docMkLst>
+        <pc:docMk/>
+      </pc:docMkLst>
+      <pc:sldChg chg="modSp addAnim delAnim modAnim">
+        <pc:chgData name="Zhao Jin" userId="cd05a825-544c-438a-9ba1-08e63db50b47" providerId="ADAL" clId="{CD38D953-E846-244A-835A-192CE52710D4}" dt="2021-01-25T03:18:14.928" v="172"/>
+        <pc:sldMkLst>
+          <pc:docMk/>
+          <pc:sldMk cId="1311126165" sldId="485"/>
+        </pc:sldMkLst>
+        <pc:spChg chg="mod">
+          <ac:chgData name="Zhao Jin" userId="cd05a825-544c-438a-9ba1-08e63db50b47" providerId="ADAL" clId="{CD38D953-E846-244A-835A-192CE52710D4}" dt="2021-01-25T03:16:30.240" v="159" actId="20577"/>
+          <ac:spMkLst>
+            <pc:docMk/>
+            <pc:sldMk cId="1311126165" sldId="485"/>
+            <ac:spMk id="11" creationId="{00000000-0000-0000-0000-000000000000}"/>
+          </ac:spMkLst>
+        </pc:spChg>
+        <pc:spChg chg="mod">
+          <ac:chgData name="Zhao Jin" userId="cd05a825-544c-438a-9ba1-08e63db50b47" providerId="ADAL" clId="{CD38D953-E846-244A-835A-192CE52710D4}" dt="2021-01-25T03:16:24.406" v="157" actId="1036"/>
+          <ac:spMkLst>
+            <pc:docMk/>
+            <pc:sldMk cId="1311126165" sldId="485"/>
+            <ac:spMk id="12" creationId="{149FB3A4-124F-4FB3-9CA1-6EA45A21DCBC}"/>
+          </ac:spMkLst>
+        </pc:spChg>
+        <pc:spChg chg="mod">
+          <ac:chgData name="Zhao Jin" userId="cd05a825-544c-438a-9ba1-08e63db50b47" providerId="ADAL" clId="{CD38D953-E846-244A-835A-192CE52710D4}" dt="2021-01-25T03:16:24.406" v="157" actId="1036"/>
+          <ac:spMkLst>
+            <pc:docMk/>
+            <pc:sldMk cId="1311126165" sldId="485"/>
+            <ac:spMk id="13" creationId="{24ED3F77-DB19-42FF-90A5-6260114FAC12}"/>
+          </ac:spMkLst>
+        </pc:spChg>
+      </pc:sldChg>
+      <pc:sldChg chg="modSp">
+        <pc:chgData name="Zhao Jin" userId="cd05a825-544c-438a-9ba1-08e63db50b47" providerId="ADAL" clId="{CD38D953-E846-244A-835A-192CE52710D4}" dt="2021-01-25T03:08:51.440" v="84" actId="20577"/>
+        <pc:sldMkLst>
+          <pc:docMk/>
+          <pc:sldMk cId="901453530" sldId="546"/>
+        </pc:sldMkLst>
+        <pc:spChg chg="mod">
+          <ac:chgData name="Zhao Jin" userId="cd05a825-544c-438a-9ba1-08e63db50b47" providerId="ADAL" clId="{CD38D953-E846-244A-835A-192CE52710D4}" dt="2021-01-25T03:08:51.440" v="84" actId="20577"/>
+          <ac:spMkLst>
+            <pc:docMk/>
+            <pc:sldMk cId="901453530" sldId="546"/>
+            <ac:spMk id="8" creationId="{00000000-0000-0000-0000-000000000000}"/>
+          </ac:spMkLst>
+        </pc:spChg>
+      </pc:sldChg>
+      <pc:sldChg chg="modSp">
+        <pc:chgData name="Zhao Jin" userId="cd05a825-544c-438a-9ba1-08e63db50b47" providerId="ADAL" clId="{CD38D953-E846-244A-835A-192CE52710D4}" dt="2021-01-25T03:11:48.514" v="112" actId="207"/>
+        <pc:sldMkLst>
+          <pc:docMk/>
+          <pc:sldMk cId="884841463" sldId="547"/>
+        </pc:sldMkLst>
+        <pc:spChg chg="mod">
+          <ac:chgData name="Zhao Jin" userId="cd05a825-544c-438a-9ba1-08e63db50b47" providerId="ADAL" clId="{CD38D953-E846-244A-835A-192CE52710D4}" dt="2021-01-25T03:11:48.514" v="112" actId="207"/>
+          <ac:spMkLst>
+            <pc:docMk/>
+            <pc:sldMk cId="884841463" sldId="547"/>
+            <ac:spMk id="8" creationId="{00000000-0000-0000-0000-000000000000}"/>
+          </ac:spMkLst>
+        </pc:spChg>
+      </pc:sldChg>
+      <pc:sldChg chg="modSp">
+        <pc:chgData name="Zhao Jin" userId="cd05a825-544c-438a-9ba1-08e63db50b47" providerId="ADAL" clId="{CD38D953-E846-244A-835A-192CE52710D4}" dt="2021-01-25T03:10:55.270" v="107" actId="20577"/>
+        <pc:sldMkLst>
+          <pc:docMk/>
+          <pc:sldMk cId="1617257579" sldId="548"/>
+        </pc:sldMkLst>
+        <pc:spChg chg="mod">
+          <ac:chgData name="Zhao Jin" userId="cd05a825-544c-438a-9ba1-08e63db50b47" providerId="ADAL" clId="{CD38D953-E846-244A-835A-192CE52710D4}" dt="2021-01-25T03:10:55.270" v="107" actId="20577"/>
+          <ac:spMkLst>
+            <pc:docMk/>
+            <pc:sldMk cId="1617257579" sldId="548"/>
+            <ac:spMk id="8" creationId="{00000000-0000-0000-0000-000000000000}"/>
+          </ac:spMkLst>
+        </pc:spChg>
+        <pc:spChg chg="mod">
+          <ac:chgData name="Zhao Jin" userId="cd05a825-544c-438a-9ba1-08e63db50b47" providerId="ADAL" clId="{CD38D953-E846-244A-835A-192CE52710D4}" dt="2021-01-25T03:09:46.206" v="102" actId="1035"/>
+          <ac:spMkLst>
+            <pc:docMk/>
+            <pc:sldMk cId="1617257579" sldId="548"/>
+            <ac:spMk id="9" creationId="{00000000-0000-0000-0000-000000000000}"/>
+          </ac:spMkLst>
+        </pc:spChg>
+      </pc:sldChg>
+      <pc:sldChg chg="addSp delSp modSp delAnim modAnim">
+        <pc:chgData name="Zhao Jin" userId="cd05a825-544c-438a-9ba1-08e63db50b47" providerId="ADAL" clId="{CD38D953-E846-244A-835A-192CE52710D4}" dt="2021-01-25T03:24:05.008" v="382"/>
+        <pc:sldMkLst>
+          <pc:docMk/>
+          <pc:sldMk cId="3394924879" sldId="549"/>
+        </pc:sldMkLst>
+        <pc:spChg chg="mod">
+          <ac:chgData name="Zhao Jin" userId="cd05a825-544c-438a-9ba1-08e63db50b47" providerId="ADAL" clId="{CD38D953-E846-244A-835A-192CE52710D4}" dt="2021-01-25T02:21:10.043" v="62" actId="20577"/>
+          <ac:spMkLst>
+            <pc:docMk/>
+            <pc:sldMk cId="3394924879" sldId="549"/>
+            <ac:spMk id="10" creationId="{00000000-0000-0000-0000-000000000000}"/>
+          </ac:spMkLst>
+        </pc:spChg>
+        <pc:spChg chg="add mod">
+          <ac:chgData name="Zhao Jin" userId="cd05a825-544c-438a-9ba1-08e63db50b47" providerId="ADAL" clId="{CD38D953-E846-244A-835A-192CE52710D4}" dt="2021-01-25T03:23:28.207" v="376" actId="1076"/>
+          <ac:spMkLst>
+            <pc:docMk/>
+            <pc:sldMk cId="3394924879" sldId="549"/>
+            <ac:spMk id="11" creationId="{CF30CDDD-4206-994C-A14B-ADCEC7C6B094}"/>
+          </ac:spMkLst>
+        </pc:spChg>
+        <pc:picChg chg="del">
+          <ac:chgData name="Zhao Jin" userId="cd05a825-544c-438a-9ba1-08e63db50b47" providerId="ADAL" clId="{CD38D953-E846-244A-835A-192CE52710D4}" dt="2021-01-25T03:15:27.398" v="115" actId="478"/>
+          <ac:picMkLst>
+            <pc:docMk/>
+            <pc:sldMk cId="3394924879" sldId="549"/>
+            <ac:picMk id="14" creationId="{9F0342D1-68B4-4418-BA3C-115BA014738F}"/>
+          </ac:picMkLst>
+        </pc:picChg>
+        <pc:picChg chg="add mod">
+          <ac:chgData name="Zhao Jin" userId="cd05a825-544c-438a-9ba1-08e63db50b47" providerId="ADAL" clId="{CD38D953-E846-244A-835A-192CE52710D4}" dt="2021-01-25T03:23:34.931" v="378" actId="1076"/>
+          <ac:picMkLst>
+            <pc:docMk/>
+            <pc:sldMk cId="3394924879" sldId="549"/>
+            <ac:picMk id="16" creationId="{1AA83BD7-4016-DB49-B6DC-C69FB6894961}"/>
+          </ac:picMkLst>
+        </pc:picChg>
+      </pc:sldChg>
+      <pc:sldChg chg="addSp delSp modSp addAnim delAnim modAnim">
+        <pc:chgData name="Zhao Jin" userId="cd05a825-544c-438a-9ba1-08e63db50b47" providerId="ADAL" clId="{CD38D953-E846-244A-835A-192CE52710D4}" dt="2021-01-25T03:26:17.801" v="482" actId="20577"/>
+        <pc:sldMkLst>
+          <pc:docMk/>
+          <pc:sldMk cId="784668950" sldId="550"/>
+        </pc:sldMkLst>
+        <pc:spChg chg="add del">
+          <ac:chgData name="Zhao Jin" userId="cd05a825-544c-438a-9ba1-08e63db50b47" providerId="ADAL" clId="{CD38D953-E846-244A-835A-192CE52710D4}" dt="2021-01-25T03:03:03.116" v="66" actId="478"/>
+          <ac:spMkLst>
+            <pc:docMk/>
+            <pc:sldMk cId="784668950" sldId="550"/>
+            <ac:spMk id="8" creationId="{9BA3CD25-E0A6-43C6-ACBF-2582BD134206}"/>
+          </ac:spMkLst>
+        </pc:spChg>
+        <pc:spChg chg="add del">
+          <ac:chgData name="Zhao Jin" userId="cd05a825-544c-438a-9ba1-08e63db50b47" providerId="ADAL" clId="{CD38D953-E846-244A-835A-192CE52710D4}" dt="2021-01-25T03:03:02.420" v="65"/>
+          <ac:spMkLst>
+            <pc:docMk/>
+            <pc:sldMk cId="784668950" sldId="550"/>
+            <ac:spMk id="9" creationId="{512F67EF-C498-8D43-817A-42B6CE524F76}"/>
+          </ac:spMkLst>
+        </pc:spChg>
+        <pc:spChg chg="add del mod">
+          <ac:chgData name="Zhao Jin" userId="cd05a825-544c-438a-9ba1-08e63db50b47" providerId="ADAL" clId="{CD38D953-E846-244A-835A-192CE52710D4}" dt="2021-01-25T03:26:17.801" v="482" actId="20577"/>
+          <ac:spMkLst>
+            <pc:docMk/>
+            <pc:sldMk cId="784668950" sldId="550"/>
+            <ac:spMk id="10" creationId="{00000000-0000-0000-0000-000000000000}"/>
+          </ac:spMkLst>
+        </pc:spChg>
+      </pc:sldChg>
+      <pc:sldChg chg="addSp delSp modSp add del addAnim delAnim">
+        <pc:chgData name="Zhao Jin" userId="cd05a825-544c-438a-9ba1-08e63db50b47" providerId="ADAL" clId="{CD38D953-E846-244A-835A-192CE52710D4}" dt="2021-01-25T03:08:44.385" v="80" actId="2696"/>
+        <pc:sldMkLst>
+          <pc:docMk/>
+          <pc:sldMk cId="335305844" sldId="551"/>
+        </pc:sldMkLst>
+        <pc:spChg chg="add del">
+          <ac:chgData name="Zhao Jin" userId="cd05a825-544c-438a-9ba1-08e63db50b47" providerId="ADAL" clId="{CD38D953-E846-244A-835A-192CE52710D4}" dt="2021-01-25T03:08:18.867" v="70"/>
+          <ac:spMkLst>
+            <pc:docMk/>
+            <pc:sldMk cId="335305844" sldId="551"/>
+            <ac:spMk id="2" creationId="{DC3EBD9F-7043-2B4B-93E2-27FFDA9DBEA2}"/>
+          </ac:spMkLst>
+        </pc:spChg>
+        <pc:spChg chg="add del mod">
+          <ac:chgData name="Zhao Jin" userId="cd05a825-544c-438a-9ba1-08e63db50b47" providerId="ADAL" clId="{CD38D953-E846-244A-835A-192CE52710D4}" dt="2021-01-25T03:08:32.511" v="77" actId="14100"/>
+          <ac:spMkLst>
+            <pc:docMk/>
+            <pc:sldMk cId="335305844" sldId="551"/>
+            <ac:spMk id="9" creationId="{00000000-0000-0000-0000-000000000000}"/>
+          </ac:spMkLst>
+        </pc:spChg>
+        <pc:spChg chg="add del">
+          <ac:chgData name="Zhao Jin" userId="cd05a825-544c-438a-9ba1-08e63db50b47" providerId="ADAL" clId="{CD38D953-E846-244A-835A-192CE52710D4}" dt="2021-01-25T03:08:34.550" v="78" actId="478"/>
+          <ac:spMkLst>
+            <pc:docMk/>
+            <pc:sldMk cId="335305844" sldId="551"/>
+            <ac:spMk id="10" creationId="{00000000-0000-0000-0000-000000000000}"/>
+          </ac:spMkLst>
+        </pc:spChg>
+        <pc:spChg chg="add del">
+          <ac:chgData name="Zhao Jin" userId="cd05a825-544c-438a-9ba1-08e63db50b47" providerId="ADAL" clId="{CD38D953-E846-244A-835A-192CE52710D4}" dt="2021-01-25T03:08:34.550" v="78" actId="478"/>
+          <ac:spMkLst>
+            <pc:docMk/>
+            <pc:sldMk cId="335305844" sldId="551"/>
+            <ac:spMk id="11" creationId="{D0457CA0-460D-4546-82C4-4CDEB1E2F62C}"/>
+          </ac:spMkLst>
+        </pc:spChg>
+        <pc:spChg chg="add del">
+          <ac:chgData name="Zhao Jin" userId="cd05a825-544c-438a-9ba1-08e63db50b47" providerId="ADAL" clId="{CD38D953-E846-244A-835A-192CE52710D4}" dt="2021-01-25T03:08:34.550" v="78" actId="478"/>
+          <ac:spMkLst>
+            <pc:docMk/>
+            <pc:sldMk cId="335305844" sldId="551"/>
+            <ac:spMk id="14" creationId="{00000000-0000-0000-0000-000000000000}"/>
+          </ac:spMkLst>
+        </pc:spChg>
+        <pc:spChg chg="add del">
+          <ac:chgData name="Zhao Jin" userId="cd05a825-544c-438a-9ba1-08e63db50b47" providerId="ADAL" clId="{CD38D953-E846-244A-835A-192CE52710D4}" dt="2021-01-25T03:08:34.550" v="78" actId="478"/>
+          <ac:spMkLst>
+            <pc:docMk/>
+            <pc:sldMk cId="335305844" sldId="551"/>
+            <ac:spMk id="15" creationId="{7EB43FB0-D261-4751-8823-0A4CC64F83DB}"/>
+          </ac:spMkLst>
+        </pc:spChg>
+        <pc:spChg chg="add del mod">
+          <ac:chgData name="Zhao Jin" userId="cd05a825-544c-438a-9ba1-08e63db50b47" providerId="ADAL" clId="{CD38D953-E846-244A-835A-192CE52710D4}" dt="2021-01-25T03:08:37.712" v="79" actId="20577"/>
+          <ac:spMkLst>
+            <pc:docMk/>
+            <pc:sldMk cId="335305844" sldId="551"/>
+            <ac:spMk id="17" creationId="{196941FF-7411-441D-AE2E-5CF96E80B024}"/>
+          </ac:spMkLst>
+        </pc:spChg>
+        <pc:spChg chg="add del">
+          <ac:chgData name="Zhao Jin" userId="cd05a825-544c-438a-9ba1-08e63db50b47" providerId="ADAL" clId="{CD38D953-E846-244A-835A-192CE52710D4}" dt="2021-01-25T03:08:22.144" v="71" actId="478"/>
+          <ac:spMkLst>
+            <pc:docMk/>
+            <pc:sldMk cId="335305844" sldId="551"/>
+            <ac:spMk id="18" creationId="{FC6CF3F5-B435-44FE-A32E-F676476A0C6D}"/>
+          </ac:spMkLst>
+        </pc:spChg>
+      </pc:sldChg>
+    </pc:docChg>
+  </pc:docChgLst>
+  <pc:docChgLst>
     <pc:chgData name="Zhao Jin" userId="cd05a825-544c-438a-9ba1-08e63db50b47" providerId="ADAL" clId="{821AB6FD-D1B0-4601-B0E5-CAB84D8B3F31}"/>
     <pc:docChg chg="undo redo custSel addSld delSld modSld modMainMaster">
-      <pc:chgData name="Zhao Jin" userId="cd05a825-544c-438a-9ba1-08e63db50b47" providerId="ADAL" clId="{821AB6FD-D1B0-4601-B0E5-CAB84D8B3F31}" dt="2021-03-22T04:34:03.437" v="5018" actId="20577"/>
+      <pc:chgData name="Zhao Jin" userId="cd05a825-544c-438a-9ba1-08e63db50b47" providerId="ADAL" clId="{821AB6FD-D1B0-4601-B0E5-CAB84D8B3F31}" dt="2021-04-05T01:48:31.828" v="5952" actId="207"/>
       <pc:docMkLst>
         <pc:docMk/>
       </pc:docMkLst>
@@ -3948,13 +3972,13 @@
         </pc:spChg>
       </pc:sldChg>
       <pc:sldChg chg="modSp mod">
-        <pc:chgData name="Zhao Jin" userId="cd05a825-544c-438a-9ba1-08e63db50b47" providerId="ADAL" clId="{821AB6FD-D1B0-4601-B0E5-CAB84D8B3F31}" dt="2021-03-22T04:34:03.437" v="5018" actId="20577"/>
+        <pc:chgData name="Zhao Jin" userId="cd05a825-544c-438a-9ba1-08e63db50b47" providerId="ADAL" clId="{821AB6FD-D1B0-4601-B0E5-CAB84D8B3F31}" dt="2021-04-05T01:48:31.828" v="5952" actId="207"/>
         <pc:sldMkLst>
           <pc:docMk/>
           <pc:sldMk cId="1067695719" sldId="526"/>
         </pc:sldMkLst>
         <pc:spChg chg="mod">
-          <ac:chgData name="Zhao Jin" userId="cd05a825-544c-438a-9ba1-08e63db50b47" providerId="ADAL" clId="{821AB6FD-D1B0-4601-B0E5-CAB84D8B3F31}" dt="2021-03-22T04:34:03.437" v="5018" actId="20577"/>
+          <ac:chgData name="Zhao Jin" userId="cd05a825-544c-438a-9ba1-08e63db50b47" providerId="ADAL" clId="{821AB6FD-D1B0-4601-B0E5-CAB84D8B3F31}" dt="2021-04-05T01:48:31.828" v="5952" actId="207"/>
           <ac:spMkLst>
             <pc:docMk/>
             <pc:sldMk cId="1067695719" sldId="526"/>
@@ -3986,7 +4010,7 @@
         </pc:spChg>
       </pc:sldChg>
       <pc:sldChg chg="addSp delSp modSp add mod delAnim">
-        <pc:chgData name="Zhao Jin" userId="cd05a825-544c-438a-9ba1-08e63db50b47" providerId="ADAL" clId="{821AB6FD-D1B0-4601-B0E5-CAB84D8B3F31}" dt="2021-03-16T05:02:48.214" v="4930" actId="14100"/>
+        <pc:chgData name="Zhao Jin" userId="cd05a825-544c-438a-9ba1-08e63db50b47" providerId="ADAL" clId="{821AB6FD-D1B0-4601-B0E5-CAB84D8B3F31}" dt="2021-04-05T01:44:18.554" v="5854" actId="1036"/>
         <pc:sldMkLst>
           <pc:docMk/>
           <pc:sldMk cId="1565163798" sldId="575"/>
@@ -4000,7 +4024,7 @@
           </ac:spMkLst>
         </pc:spChg>
         <pc:spChg chg="mod">
-          <ac:chgData name="Zhao Jin" userId="cd05a825-544c-438a-9ba1-08e63db50b47" providerId="ADAL" clId="{821AB6FD-D1B0-4601-B0E5-CAB84D8B3F31}" dt="2021-03-16T04:59:41.972" v="4681" actId="14"/>
+          <ac:chgData name="Zhao Jin" userId="cd05a825-544c-438a-9ba1-08e63db50b47" providerId="ADAL" clId="{821AB6FD-D1B0-4601-B0E5-CAB84D8B3F31}" dt="2021-04-05T01:44:15.482" v="5847" actId="403"/>
           <ac:spMkLst>
             <pc:docMk/>
             <pc:sldMk cId="1565163798" sldId="575"/>
@@ -4008,7 +4032,7 @@
           </ac:spMkLst>
         </pc:spChg>
         <pc:spChg chg="add mod">
-          <ac:chgData name="Zhao Jin" userId="cd05a825-544c-438a-9ba1-08e63db50b47" providerId="ADAL" clId="{821AB6FD-D1B0-4601-B0E5-CAB84D8B3F31}" dt="2021-03-16T04:58:00.684" v="4465" actId="207"/>
+          <ac:chgData name="Zhao Jin" userId="cd05a825-544c-438a-9ba1-08e63db50b47" providerId="ADAL" clId="{821AB6FD-D1B0-4601-B0E5-CAB84D8B3F31}" dt="2021-04-05T01:44:18.554" v="5854" actId="1036"/>
           <ac:spMkLst>
             <pc:docMk/>
             <pc:sldMk cId="1565163798" sldId="575"/>
@@ -4016,7 +4040,7 @@
           </ac:spMkLst>
         </pc:spChg>
         <pc:spChg chg="add mod">
-          <ac:chgData name="Zhao Jin" userId="cd05a825-544c-438a-9ba1-08e63db50b47" providerId="ADAL" clId="{821AB6FD-D1B0-4601-B0E5-CAB84D8B3F31}" dt="2021-03-16T05:02:48.214" v="4930" actId="14100"/>
+          <ac:chgData name="Zhao Jin" userId="cd05a825-544c-438a-9ba1-08e63db50b47" providerId="ADAL" clId="{821AB6FD-D1B0-4601-B0E5-CAB84D8B3F31}" dt="2021-04-05T01:44:18.554" v="5854" actId="1036"/>
           <ac:spMkLst>
             <pc:docMk/>
             <pc:sldMk cId="1565163798" sldId="575"/>
@@ -4049,7 +4073,7 @@
         </pc:spChg>
       </pc:sldChg>
       <pc:sldChg chg="addSp delSp modSp add mod modAnim">
-        <pc:chgData name="Zhao Jin" userId="cd05a825-544c-438a-9ba1-08e63db50b47" providerId="ADAL" clId="{821AB6FD-D1B0-4601-B0E5-CAB84D8B3F31}" dt="2021-03-16T05:03:29.971" v="5017" actId="1076"/>
+        <pc:chgData name="Zhao Jin" userId="cd05a825-544c-438a-9ba1-08e63db50b47" providerId="ADAL" clId="{821AB6FD-D1B0-4601-B0E5-CAB84D8B3F31}" dt="2021-04-05T01:43:22.675" v="5844" actId="1037"/>
         <pc:sldMkLst>
           <pc:docMk/>
           <pc:sldMk cId="2550500962" sldId="592"/>
@@ -4079,7 +4103,7 @@
           </ac:spMkLst>
         </pc:spChg>
         <pc:spChg chg="add mod">
-          <ac:chgData name="Zhao Jin" userId="cd05a825-544c-438a-9ba1-08e63db50b47" providerId="ADAL" clId="{821AB6FD-D1B0-4601-B0E5-CAB84D8B3F31}" dt="2021-03-16T05:03:27.699" v="5016" actId="14100"/>
+          <ac:chgData name="Zhao Jin" userId="cd05a825-544c-438a-9ba1-08e63db50b47" providerId="ADAL" clId="{821AB6FD-D1B0-4601-B0E5-CAB84D8B3F31}" dt="2021-04-05T01:43:19.716" v="5832" actId="14100"/>
           <ac:spMkLst>
             <pc:docMk/>
             <pc:sldMk cId="2550500962" sldId="592"/>
@@ -4087,7 +4111,7 @@
           </ac:spMkLst>
         </pc:spChg>
         <pc:spChg chg="add mod">
-          <ac:chgData name="Zhao Jin" userId="cd05a825-544c-438a-9ba1-08e63db50b47" providerId="ADAL" clId="{821AB6FD-D1B0-4601-B0E5-CAB84D8B3F31}" dt="2021-03-16T05:03:29.971" v="5017" actId="1076"/>
+          <ac:chgData name="Zhao Jin" userId="cd05a825-544c-438a-9ba1-08e63db50b47" providerId="ADAL" clId="{821AB6FD-D1B0-4601-B0E5-CAB84D8B3F31}" dt="2021-04-05T01:43:22.675" v="5844" actId="1037"/>
           <ac:spMkLst>
             <pc:docMk/>
             <pc:sldMk cId="2550500962" sldId="592"/>
@@ -4120,7 +4144,7 @@
         </pc:graphicFrameChg>
       </pc:sldChg>
       <pc:sldChg chg="addSp delSp modSp mod delAnim modAnim">
-        <pc:chgData name="Zhao Jin" userId="cd05a825-544c-438a-9ba1-08e63db50b47" providerId="ADAL" clId="{821AB6FD-D1B0-4601-B0E5-CAB84D8B3F31}" dt="2021-03-16T04:43:40.236" v="3766" actId="20577"/>
+        <pc:chgData name="Zhao Jin" userId="cd05a825-544c-438a-9ba1-08e63db50b47" providerId="ADAL" clId="{821AB6FD-D1B0-4601-B0E5-CAB84D8B3F31}" dt="2021-04-05T01:38:43.703" v="5750" actId="20577"/>
         <pc:sldMkLst>
           <pc:docMk/>
           <pc:sldMk cId="1813128722" sldId="617"/>
@@ -4262,7 +4286,7 @@
           </ac:spMkLst>
         </pc:spChg>
         <pc:spChg chg="add mod">
-          <ac:chgData name="Zhao Jin" userId="cd05a825-544c-438a-9ba1-08e63db50b47" providerId="ADAL" clId="{821AB6FD-D1B0-4601-B0E5-CAB84D8B3F31}" dt="2021-03-16T04:43:40.236" v="3766" actId="20577"/>
+          <ac:chgData name="Zhao Jin" userId="cd05a825-544c-438a-9ba1-08e63db50b47" providerId="ADAL" clId="{821AB6FD-D1B0-4601-B0E5-CAB84D8B3F31}" dt="2021-04-05T01:38:43.703" v="5750" actId="20577"/>
           <ac:spMkLst>
             <pc:docMk/>
             <pc:sldMk cId="1813128722" sldId="617"/>
@@ -4351,7 +4375,7 @@
         </pc:cxnChg>
       </pc:sldChg>
       <pc:sldChg chg="addSp delSp modSp mod delAnim">
-        <pc:chgData name="Zhao Jin" userId="cd05a825-544c-438a-9ba1-08e63db50b47" providerId="ADAL" clId="{821AB6FD-D1B0-4601-B0E5-CAB84D8B3F31}" dt="2021-03-16T04:44:35.849" v="3836" actId="14100"/>
+        <pc:chgData name="Zhao Jin" userId="cd05a825-544c-438a-9ba1-08e63db50b47" providerId="ADAL" clId="{821AB6FD-D1B0-4601-B0E5-CAB84D8B3F31}" dt="2021-04-05T01:34:19.802" v="5652" actId="6549"/>
         <pc:sldMkLst>
           <pc:docMk/>
           <pc:sldMk cId="3454948446" sldId="636"/>
@@ -4389,7 +4413,7 @@
           </ac:spMkLst>
         </pc:spChg>
         <pc:spChg chg="add mod">
-          <ac:chgData name="Zhao Jin" userId="cd05a825-544c-438a-9ba1-08e63db50b47" providerId="ADAL" clId="{821AB6FD-D1B0-4601-B0E5-CAB84D8B3F31}" dt="2021-03-16T04:44:21.126" v="3831" actId="14100"/>
+          <ac:chgData name="Zhao Jin" userId="cd05a825-544c-438a-9ba1-08e63db50b47" providerId="ADAL" clId="{821AB6FD-D1B0-4601-B0E5-CAB84D8B3F31}" dt="2021-04-05T01:28:12.491" v="5252" actId="207"/>
           <ac:spMkLst>
             <pc:docMk/>
             <pc:sldMk cId="3454948446" sldId="636"/>
@@ -4421,7 +4445,7 @@
           </ac:spMkLst>
         </pc:spChg>
         <pc:spChg chg="add mod">
-          <ac:chgData name="Zhao Jin" userId="cd05a825-544c-438a-9ba1-08e63db50b47" providerId="ADAL" clId="{821AB6FD-D1B0-4601-B0E5-CAB84D8B3F31}" dt="2021-03-16T04:44:23.130" v="3832" actId="14100"/>
+          <ac:chgData name="Zhao Jin" userId="cd05a825-544c-438a-9ba1-08e63db50b47" providerId="ADAL" clId="{821AB6FD-D1B0-4601-B0E5-CAB84D8B3F31}" dt="2021-04-05T01:31:12.605" v="5489" actId="14100"/>
           <ac:spMkLst>
             <pc:docMk/>
             <pc:sldMk cId="3454948446" sldId="636"/>
@@ -4429,7 +4453,7 @@
           </ac:spMkLst>
         </pc:spChg>
         <pc:spChg chg="add mod">
-          <ac:chgData name="Zhao Jin" userId="cd05a825-544c-438a-9ba1-08e63db50b47" providerId="ADAL" clId="{821AB6FD-D1B0-4601-B0E5-CAB84D8B3F31}" dt="2021-03-16T04:44:35.849" v="3836" actId="14100"/>
+          <ac:chgData name="Zhao Jin" userId="cd05a825-544c-438a-9ba1-08e63db50b47" providerId="ADAL" clId="{821AB6FD-D1B0-4601-B0E5-CAB84D8B3F31}" dt="2021-04-05T01:34:19.802" v="5652" actId="6549"/>
           <ac:spMkLst>
             <pc:docMk/>
             <pc:sldMk cId="3454948446" sldId="636"/>
@@ -4437,7 +4461,7 @@
           </ac:spMkLst>
         </pc:spChg>
         <pc:spChg chg="add mod">
-          <ac:chgData name="Zhao Jin" userId="cd05a825-544c-438a-9ba1-08e63db50b47" providerId="ADAL" clId="{821AB6FD-D1B0-4601-B0E5-CAB84D8B3F31}" dt="2021-03-16T04:44:32.797" v="3835" actId="14100"/>
+          <ac:chgData name="Zhao Jin" userId="cd05a825-544c-438a-9ba1-08e63db50b47" providerId="ADAL" clId="{821AB6FD-D1B0-4601-B0E5-CAB84D8B3F31}" dt="2021-04-05T01:33:18.416" v="5651"/>
           <ac:spMkLst>
             <pc:docMk/>
             <pc:sldMk cId="3454948446" sldId="636"/>
@@ -4568,7 +4592,7 @@
         </pc:spChg>
       </pc:sldChg>
       <pc:sldChg chg="addSp delSp modSp add mod addAnim delAnim modAnim">
-        <pc:chgData name="Zhao Jin" userId="cd05a825-544c-438a-9ba1-08e63db50b47" providerId="ADAL" clId="{821AB6FD-D1B0-4601-B0E5-CAB84D8B3F31}" dt="2021-03-16T04:43:36.354" v="3763" actId="6549"/>
+        <pc:chgData name="Zhao Jin" userId="cd05a825-544c-438a-9ba1-08e63db50b47" providerId="ADAL" clId="{821AB6FD-D1B0-4601-B0E5-CAB84D8B3F31}" dt="2021-04-05T01:14:48.479" v="5021" actId="113"/>
         <pc:sldMkLst>
           <pc:docMk/>
           <pc:sldMk cId="234197343" sldId="644"/>
@@ -4590,7 +4614,7 @@
           </ac:spMkLst>
         </pc:spChg>
         <pc:spChg chg="mod">
-          <ac:chgData name="Zhao Jin" userId="cd05a825-544c-438a-9ba1-08e63db50b47" providerId="ADAL" clId="{821AB6FD-D1B0-4601-B0E5-CAB84D8B3F31}" dt="2021-03-15T08:52:39.873" v="1914" actId="20577"/>
+          <ac:chgData name="Zhao Jin" userId="cd05a825-544c-438a-9ba1-08e63db50b47" providerId="ADAL" clId="{821AB6FD-D1B0-4601-B0E5-CAB84D8B3F31}" dt="2021-04-05T01:14:48.479" v="5021" actId="113"/>
           <ac:spMkLst>
             <pc:docMk/>
             <pc:sldMk cId="234197343" sldId="644"/>
@@ -4631,13 +4655,13 @@
         </pc:graphicFrameChg>
       </pc:sldChg>
       <pc:sldChg chg="addSp delSp modSp add mod addAnim delAnim modAnim">
-        <pc:chgData name="Zhao Jin" userId="cd05a825-544c-438a-9ba1-08e63db50b47" providerId="ADAL" clId="{821AB6FD-D1B0-4601-B0E5-CAB84D8B3F31}" dt="2021-03-16T04:43:44.477" v="3767" actId="6549"/>
+        <pc:chgData name="Zhao Jin" userId="cd05a825-544c-438a-9ba1-08e63db50b47" providerId="ADAL" clId="{821AB6FD-D1B0-4601-B0E5-CAB84D8B3F31}" dt="2021-04-05T01:25:13.225" v="5197" actId="20577"/>
         <pc:sldMkLst>
           <pc:docMk/>
           <pc:sldMk cId="81373691" sldId="645"/>
         </pc:sldMkLst>
         <pc:spChg chg="add mod">
-          <ac:chgData name="Zhao Jin" userId="cd05a825-544c-438a-9ba1-08e63db50b47" providerId="ADAL" clId="{821AB6FD-D1B0-4601-B0E5-CAB84D8B3F31}" dt="2021-03-16T04:33:55.462" v="3357" actId="20577"/>
+          <ac:chgData name="Zhao Jin" userId="cd05a825-544c-438a-9ba1-08e63db50b47" providerId="ADAL" clId="{821AB6FD-D1B0-4601-B0E5-CAB84D8B3F31}" dt="2021-04-05T01:25:13.225" v="5197" actId="20577"/>
           <ac:spMkLst>
             <pc:docMk/>
             <pc:sldMk cId="81373691" sldId="645"/>
@@ -4653,11 +4677,19 @@
           </ac:spMkLst>
         </pc:spChg>
         <pc:spChg chg="mod">
-          <ac:chgData name="Zhao Jin" userId="cd05a825-544c-438a-9ba1-08e63db50b47" providerId="ADAL" clId="{821AB6FD-D1B0-4601-B0E5-CAB84D8B3F31}" dt="2021-03-15T08:52:31.165" v="1912" actId="207"/>
+          <ac:chgData name="Zhao Jin" userId="cd05a825-544c-438a-9ba1-08e63db50b47" providerId="ADAL" clId="{821AB6FD-D1B0-4601-B0E5-CAB84D8B3F31}" dt="2021-04-05T01:24:38.618" v="5188" actId="20577"/>
           <ac:spMkLst>
             <pc:docMk/>
             <pc:sldMk cId="81373691" sldId="645"/>
             <ac:spMk id="79" creationId="{BF04FEDC-6D62-4A7E-9426-F70D350EAE56}"/>
+          </ac:spMkLst>
+        </pc:spChg>
+        <pc:spChg chg="mod">
+          <ac:chgData name="Zhao Jin" userId="cd05a825-544c-438a-9ba1-08e63db50b47" providerId="ADAL" clId="{821AB6FD-D1B0-4601-B0E5-CAB84D8B3F31}" dt="2021-04-05T01:24:09.452" v="5184" actId="20577"/>
+          <ac:spMkLst>
+            <pc:docMk/>
+            <pc:sldMk cId="81373691" sldId="645"/>
+            <ac:spMk id="80" creationId="{E1444749-39BE-4F95-BFB7-C8DF43DE123A}"/>
           </ac:spMkLst>
         </pc:spChg>
         <pc:spChg chg="mod">
@@ -4740,7 +4772,7 @@
         </pc:sldMkLst>
       </pc:sldChg>
       <pc:sldChg chg="addSp delSp modSp add mod">
-        <pc:chgData name="Zhao Jin" userId="cd05a825-544c-438a-9ba1-08e63db50b47" providerId="ADAL" clId="{821AB6FD-D1B0-4601-B0E5-CAB84D8B3F31}" dt="2021-03-16T04:45:20.543" v="3937" actId="1076"/>
+        <pc:chgData name="Zhao Jin" userId="cd05a825-544c-438a-9ba1-08e63db50b47" providerId="ADAL" clId="{821AB6FD-D1B0-4601-B0E5-CAB84D8B3F31}" dt="2021-04-05T01:36:41.950" v="5745" actId="14100"/>
         <pc:sldMkLst>
           <pc:docMk/>
           <pc:sldMk cId="2015606488" sldId="647"/>
@@ -4794,7 +4826,7 @@
           </ac:spMkLst>
         </pc:spChg>
         <pc:spChg chg="mod">
-          <ac:chgData name="Zhao Jin" userId="cd05a825-544c-438a-9ba1-08e63db50b47" providerId="ADAL" clId="{821AB6FD-D1B0-4601-B0E5-CAB84D8B3F31}" dt="2021-03-16T04:42:44.495" v="3745" actId="1076"/>
+          <ac:chgData name="Zhao Jin" userId="cd05a825-544c-438a-9ba1-08e63db50b47" providerId="ADAL" clId="{821AB6FD-D1B0-4601-B0E5-CAB84D8B3F31}" dt="2021-04-05T01:36:41.950" v="5745" actId="14100"/>
           <ac:spMkLst>
             <pc:docMk/>
             <pc:sldMk cId="2015606488" sldId="647"/>
@@ -5138,6 +5170,361 @@
     </pc:docChg>
   </pc:docChgLst>
   <pc:docChgLst>
+    <pc:chgData name="dcszjin@nus.edu.sg" userId="cd05a825-544c-438a-9ba1-08e63db50b47" providerId="ADAL" clId="{9951FBC0-0DB4-4E89-AD15-8BA171954228}"/>
+    <pc:docChg chg="custSel modSld modMainMaster">
+      <pc:chgData name="dcszjin@nus.edu.sg" userId="cd05a825-544c-438a-9ba1-08e63db50b47" providerId="ADAL" clId="{9951FBC0-0DB4-4E89-AD15-8BA171954228}" dt="2021-03-01T07:03:49.103" v="65" actId="20577"/>
+      <pc:docMkLst>
+        <pc:docMk/>
+      </pc:docMkLst>
+      <pc:sldChg chg="modSp mod">
+        <pc:chgData name="dcszjin@nus.edu.sg" userId="cd05a825-544c-438a-9ba1-08e63db50b47" providerId="ADAL" clId="{9951FBC0-0DB4-4E89-AD15-8BA171954228}" dt="2021-03-01T07:03:04.415" v="61" actId="20577"/>
+        <pc:sldMkLst>
+          <pc:docMk/>
+          <pc:sldMk cId="0" sldId="256"/>
+        </pc:sldMkLst>
+        <pc:spChg chg="mod">
+          <ac:chgData name="dcszjin@nus.edu.sg" userId="cd05a825-544c-438a-9ba1-08e63db50b47" providerId="ADAL" clId="{9951FBC0-0DB4-4E89-AD15-8BA171954228}" dt="2021-03-01T07:02:44.775" v="1" actId="20577"/>
+          <ac:spMkLst>
+            <pc:docMk/>
+            <pc:sldMk cId="0" sldId="256"/>
+            <ac:spMk id="8" creationId="{00000000-0000-0000-0000-000000000000}"/>
+          </ac:spMkLst>
+        </pc:spChg>
+        <pc:spChg chg="mod">
+          <ac:chgData name="dcszjin@nus.edu.sg" userId="cd05a825-544c-438a-9ba1-08e63db50b47" providerId="ADAL" clId="{9951FBC0-0DB4-4E89-AD15-8BA171954228}" dt="2021-03-01T07:03:04.415" v="61" actId="20577"/>
+          <ac:spMkLst>
+            <pc:docMk/>
+            <pc:sldMk cId="0" sldId="256"/>
+            <ac:spMk id="11" creationId="{00000000-0000-0000-0000-000000000000}"/>
+          </ac:spMkLst>
+        </pc:spChg>
+      </pc:sldChg>
+      <pc:sldChg chg="modSp">
+        <pc:chgData name="dcszjin@nus.edu.sg" userId="cd05a825-544c-438a-9ba1-08e63db50b47" providerId="ADAL" clId="{9951FBC0-0DB4-4E89-AD15-8BA171954228}" dt="2021-03-01T07:03:15.979" v="62"/>
+        <pc:sldMkLst>
+          <pc:docMk/>
+          <pc:sldMk cId="2438607696" sldId="468"/>
+        </pc:sldMkLst>
+        <pc:spChg chg="mod">
+          <ac:chgData name="dcszjin@nus.edu.sg" userId="cd05a825-544c-438a-9ba1-08e63db50b47" providerId="ADAL" clId="{9951FBC0-0DB4-4E89-AD15-8BA171954228}" dt="2021-03-01T07:03:15.979" v="62"/>
+          <ac:spMkLst>
+            <pc:docMk/>
+            <pc:sldMk cId="2438607696" sldId="468"/>
+            <ac:spMk id="7" creationId="{00000000-0000-0000-0000-000000000000}"/>
+          </ac:spMkLst>
+        </pc:spChg>
+      </pc:sldChg>
+      <pc:sldChg chg="modSp">
+        <pc:chgData name="dcszjin@nus.edu.sg" userId="cd05a825-544c-438a-9ba1-08e63db50b47" providerId="ADAL" clId="{9951FBC0-0DB4-4E89-AD15-8BA171954228}" dt="2021-03-01T07:03:15.979" v="62"/>
+        <pc:sldMkLst>
+          <pc:docMk/>
+          <pc:sldMk cId="1067695719" sldId="526"/>
+        </pc:sldMkLst>
+        <pc:spChg chg="mod">
+          <ac:chgData name="dcszjin@nus.edu.sg" userId="cd05a825-544c-438a-9ba1-08e63db50b47" providerId="ADAL" clId="{9951FBC0-0DB4-4E89-AD15-8BA171954228}" dt="2021-03-01T07:03:15.979" v="62"/>
+          <ac:spMkLst>
+            <pc:docMk/>
+            <pc:sldMk cId="1067695719" sldId="526"/>
+            <ac:spMk id="43" creationId="{00000000-0000-0000-0000-000000000000}"/>
+          </ac:spMkLst>
+        </pc:spChg>
+      </pc:sldChg>
+      <pc:sldChg chg="delSp modSp mod">
+        <pc:chgData name="dcszjin@nus.edu.sg" userId="cd05a825-544c-438a-9ba1-08e63db50b47" providerId="ADAL" clId="{9951FBC0-0DB4-4E89-AD15-8BA171954228}" dt="2021-03-01T07:03:18.318" v="63" actId="478"/>
+        <pc:sldMkLst>
+          <pc:docMk/>
+          <pc:sldMk cId="2573090601" sldId="546"/>
+        </pc:sldMkLst>
+        <pc:spChg chg="mod">
+          <ac:chgData name="dcszjin@nus.edu.sg" userId="cd05a825-544c-438a-9ba1-08e63db50b47" providerId="ADAL" clId="{9951FBC0-0DB4-4E89-AD15-8BA171954228}" dt="2021-03-01T07:03:15.979" v="62"/>
+          <ac:spMkLst>
+            <pc:docMk/>
+            <pc:sldMk cId="2573090601" sldId="546"/>
+            <ac:spMk id="7" creationId="{00000000-0000-0000-0000-000000000000}"/>
+          </ac:spMkLst>
+        </pc:spChg>
+        <pc:spChg chg="del">
+          <ac:chgData name="dcszjin@nus.edu.sg" userId="cd05a825-544c-438a-9ba1-08e63db50b47" providerId="ADAL" clId="{9951FBC0-0DB4-4E89-AD15-8BA171954228}" dt="2021-03-01T07:03:18.318" v="63" actId="478"/>
+          <ac:spMkLst>
+            <pc:docMk/>
+            <pc:sldMk cId="2573090601" sldId="546"/>
+            <ac:spMk id="14340" creationId="{00000000-0000-0000-0000-000000000000}"/>
+          </ac:spMkLst>
+        </pc:spChg>
+      </pc:sldChg>
+      <pc:sldChg chg="modSp">
+        <pc:chgData name="dcszjin@nus.edu.sg" userId="cd05a825-544c-438a-9ba1-08e63db50b47" providerId="ADAL" clId="{9951FBC0-0DB4-4E89-AD15-8BA171954228}" dt="2021-03-01T07:03:15.979" v="62"/>
+        <pc:sldMkLst>
+          <pc:docMk/>
+          <pc:sldMk cId="1427618944" sldId="553"/>
+        </pc:sldMkLst>
+        <pc:spChg chg="mod">
+          <ac:chgData name="dcszjin@nus.edu.sg" userId="cd05a825-544c-438a-9ba1-08e63db50b47" providerId="ADAL" clId="{9951FBC0-0DB4-4E89-AD15-8BA171954228}" dt="2021-03-01T07:03:15.979" v="62"/>
+          <ac:spMkLst>
+            <pc:docMk/>
+            <pc:sldMk cId="1427618944" sldId="553"/>
+            <ac:spMk id="7" creationId="{00000000-0000-0000-0000-000000000000}"/>
+          </ac:spMkLst>
+        </pc:spChg>
+      </pc:sldChg>
+      <pc:sldChg chg="modSp">
+        <pc:chgData name="dcszjin@nus.edu.sg" userId="cd05a825-544c-438a-9ba1-08e63db50b47" providerId="ADAL" clId="{9951FBC0-0DB4-4E89-AD15-8BA171954228}" dt="2021-03-01T07:03:15.979" v="62"/>
+        <pc:sldMkLst>
+          <pc:docMk/>
+          <pc:sldMk cId="1094276337" sldId="601"/>
+        </pc:sldMkLst>
+        <pc:spChg chg="mod">
+          <ac:chgData name="dcszjin@nus.edu.sg" userId="cd05a825-544c-438a-9ba1-08e63db50b47" providerId="ADAL" clId="{9951FBC0-0DB4-4E89-AD15-8BA171954228}" dt="2021-03-01T07:03:15.979" v="62"/>
+          <ac:spMkLst>
+            <pc:docMk/>
+            <pc:sldMk cId="1094276337" sldId="601"/>
+            <ac:spMk id="7" creationId="{00000000-0000-0000-0000-000000000000}"/>
+          </ac:spMkLst>
+        </pc:spChg>
+      </pc:sldChg>
+      <pc:sldChg chg="modSp mod">
+        <pc:chgData name="dcszjin@nus.edu.sg" userId="cd05a825-544c-438a-9ba1-08e63db50b47" providerId="ADAL" clId="{9951FBC0-0DB4-4E89-AD15-8BA171954228}" dt="2021-03-01T07:03:49.103" v="65" actId="20577"/>
+        <pc:sldMkLst>
+          <pc:docMk/>
+          <pc:sldMk cId="1542002799" sldId="602"/>
+        </pc:sldMkLst>
+        <pc:spChg chg="mod">
+          <ac:chgData name="dcszjin@nus.edu.sg" userId="cd05a825-544c-438a-9ba1-08e63db50b47" providerId="ADAL" clId="{9951FBC0-0DB4-4E89-AD15-8BA171954228}" dt="2021-03-01T07:03:15.979" v="62"/>
+          <ac:spMkLst>
+            <pc:docMk/>
+            <pc:sldMk cId="1542002799" sldId="602"/>
+            <ac:spMk id="7" creationId="{00000000-0000-0000-0000-000000000000}"/>
+          </ac:spMkLst>
+        </pc:spChg>
+        <pc:spChg chg="mod">
+          <ac:chgData name="dcszjin@nus.edu.sg" userId="cd05a825-544c-438a-9ba1-08e63db50b47" providerId="ADAL" clId="{9951FBC0-0DB4-4E89-AD15-8BA171954228}" dt="2021-03-01T07:03:49.103" v="65" actId="20577"/>
+          <ac:spMkLst>
+            <pc:docMk/>
+            <pc:sldMk cId="1542002799" sldId="602"/>
+            <ac:spMk id="8" creationId="{00000000-0000-0000-0000-000000000000}"/>
+          </ac:spMkLst>
+        </pc:spChg>
+      </pc:sldChg>
+      <pc:sldChg chg="modSp">
+        <pc:chgData name="dcszjin@nus.edu.sg" userId="cd05a825-544c-438a-9ba1-08e63db50b47" providerId="ADAL" clId="{9951FBC0-0DB4-4E89-AD15-8BA171954228}" dt="2021-03-01T07:03:15.979" v="62"/>
+        <pc:sldMkLst>
+          <pc:docMk/>
+          <pc:sldMk cId="830535321" sldId="603"/>
+        </pc:sldMkLst>
+        <pc:spChg chg="mod">
+          <ac:chgData name="dcszjin@nus.edu.sg" userId="cd05a825-544c-438a-9ba1-08e63db50b47" providerId="ADAL" clId="{9951FBC0-0DB4-4E89-AD15-8BA171954228}" dt="2021-03-01T07:03:15.979" v="62"/>
+          <ac:spMkLst>
+            <pc:docMk/>
+            <pc:sldMk cId="830535321" sldId="603"/>
+            <ac:spMk id="7" creationId="{00000000-0000-0000-0000-000000000000}"/>
+          </ac:spMkLst>
+        </pc:spChg>
+      </pc:sldChg>
+      <pc:sldMasterChg chg="modSp modSldLayout">
+        <pc:chgData name="dcszjin@nus.edu.sg" userId="cd05a825-544c-438a-9ba1-08e63db50b47" providerId="ADAL" clId="{9951FBC0-0DB4-4E89-AD15-8BA171954228}" dt="2021-03-01T07:03:15.979" v="62"/>
+        <pc:sldMasterMkLst>
+          <pc:docMk/>
+          <pc:sldMasterMk cId="0" sldId="2147485087"/>
+        </pc:sldMasterMkLst>
+        <pc:spChg chg="mod">
+          <ac:chgData name="dcszjin@nus.edu.sg" userId="cd05a825-544c-438a-9ba1-08e63db50b47" providerId="ADAL" clId="{9951FBC0-0DB4-4E89-AD15-8BA171954228}" dt="2021-03-01T07:03:15.979" v="62"/>
+          <ac:spMkLst>
+            <pc:docMk/>
+            <pc:sldMasterMk cId="0" sldId="2147485087"/>
+            <ac:spMk id="6" creationId="{00000000-0000-0000-0000-000000000000}"/>
+          </ac:spMkLst>
+        </pc:spChg>
+        <pc:sldLayoutChg chg="modSp">
+          <pc:chgData name="dcszjin@nus.edu.sg" userId="cd05a825-544c-438a-9ba1-08e63db50b47" providerId="ADAL" clId="{9951FBC0-0DB4-4E89-AD15-8BA171954228}" dt="2021-03-01T07:03:15.979" v="62"/>
+          <pc:sldLayoutMkLst>
+            <pc:docMk/>
+            <pc:sldMasterMk cId="0" sldId="2147485087"/>
+            <pc:sldLayoutMk cId="0" sldId="2147485088"/>
+          </pc:sldLayoutMkLst>
+          <pc:spChg chg="mod">
+            <ac:chgData name="dcszjin@nus.edu.sg" userId="cd05a825-544c-438a-9ba1-08e63db50b47" providerId="ADAL" clId="{9951FBC0-0DB4-4E89-AD15-8BA171954228}" dt="2021-03-01T07:03:15.979" v="62"/>
+            <ac:spMkLst>
+              <pc:docMk/>
+              <pc:sldMasterMk cId="0" sldId="2147485087"/>
+              <pc:sldLayoutMk cId="0" sldId="2147485088"/>
+              <ac:spMk id="6" creationId="{00000000-0000-0000-0000-000000000000}"/>
+            </ac:spMkLst>
+          </pc:spChg>
+        </pc:sldLayoutChg>
+        <pc:sldLayoutChg chg="modSp">
+          <pc:chgData name="dcszjin@nus.edu.sg" userId="cd05a825-544c-438a-9ba1-08e63db50b47" providerId="ADAL" clId="{9951FBC0-0DB4-4E89-AD15-8BA171954228}" dt="2021-03-01T07:03:15.979" v="62"/>
+          <pc:sldLayoutMkLst>
+            <pc:docMk/>
+            <pc:sldMasterMk cId="0" sldId="2147485087"/>
+            <pc:sldLayoutMk cId="0" sldId="2147485089"/>
+          </pc:sldLayoutMkLst>
+          <pc:spChg chg="mod">
+            <ac:chgData name="dcszjin@nus.edu.sg" userId="cd05a825-544c-438a-9ba1-08e63db50b47" providerId="ADAL" clId="{9951FBC0-0DB4-4E89-AD15-8BA171954228}" dt="2021-03-01T07:03:15.979" v="62"/>
+            <ac:spMkLst>
+              <pc:docMk/>
+              <pc:sldMasterMk cId="0" sldId="2147485087"/>
+              <pc:sldLayoutMk cId="0" sldId="2147485089"/>
+              <ac:spMk id="6" creationId="{00000000-0000-0000-0000-000000000000}"/>
+            </ac:spMkLst>
+          </pc:spChg>
+        </pc:sldLayoutChg>
+        <pc:sldLayoutChg chg="modSp">
+          <pc:chgData name="dcszjin@nus.edu.sg" userId="cd05a825-544c-438a-9ba1-08e63db50b47" providerId="ADAL" clId="{9951FBC0-0DB4-4E89-AD15-8BA171954228}" dt="2021-03-01T07:03:15.979" v="62"/>
+          <pc:sldLayoutMkLst>
+            <pc:docMk/>
+            <pc:sldMasterMk cId="0" sldId="2147485087"/>
+            <pc:sldLayoutMk cId="0" sldId="2147485090"/>
+          </pc:sldLayoutMkLst>
+          <pc:spChg chg="mod">
+            <ac:chgData name="dcszjin@nus.edu.sg" userId="cd05a825-544c-438a-9ba1-08e63db50b47" providerId="ADAL" clId="{9951FBC0-0DB4-4E89-AD15-8BA171954228}" dt="2021-03-01T07:03:15.979" v="62"/>
+            <ac:spMkLst>
+              <pc:docMk/>
+              <pc:sldMasterMk cId="0" sldId="2147485087"/>
+              <pc:sldLayoutMk cId="0" sldId="2147485090"/>
+              <ac:spMk id="6" creationId="{00000000-0000-0000-0000-000000000000}"/>
+            </ac:spMkLst>
+          </pc:spChg>
+        </pc:sldLayoutChg>
+        <pc:sldLayoutChg chg="modSp">
+          <pc:chgData name="dcszjin@nus.edu.sg" userId="cd05a825-544c-438a-9ba1-08e63db50b47" providerId="ADAL" clId="{9951FBC0-0DB4-4E89-AD15-8BA171954228}" dt="2021-03-01T07:03:15.979" v="62"/>
+          <pc:sldLayoutMkLst>
+            <pc:docMk/>
+            <pc:sldMasterMk cId="0" sldId="2147485087"/>
+            <pc:sldLayoutMk cId="0" sldId="2147485091"/>
+          </pc:sldLayoutMkLst>
+          <pc:spChg chg="mod">
+            <ac:chgData name="dcszjin@nus.edu.sg" userId="cd05a825-544c-438a-9ba1-08e63db50b47" providerId="ADAL" clId="{9951FBC0-0DB4-4E89-AD15-8BA171954228}" dt="2021-03-01T07:03:15.979" v="62"/>
+            <ac:spMkLst>
+              <pc:docMk/>
+              <pc:sldMasterMk cId="0" sldId="2147485087"/>
+              <pc:sldLayoutMk cId="0" sldId="2147485091"/>
+              <ac:spMk id="7" creationId="{00000000-0000-0000-0000-000000000000}"/>
+            </ac:spMkLst>
+          </pc:spChg>
+        </pc:sldLayoutChg>
+        <pc:sldLayoutChg chg="modSp">
+          <pc:chgData name="dcszjin@nus.edu.sg" userId="cd05a825-544c-438a-9ba1-08e63db50b47" providerId="ADAL" clId="{9951FBC0-0DB4-4E89-AD15-8BA171954228}" dt="2021-03-01T07:03:15.979" v="62"/>
+          <pc:sldLayoutMkLst>
+            <pc:docMk/>
+            <pc:sldMasterMk cId="0" sldId="2147485087"/>
+            <pc:sldLayoutMk cId="0" sldId="2147485092"/>
+          </pc:sldLayoutMkLst>
+          <pc:spChg chg="mod">
+            <ac:chgData name="dcszjin@nus.edu.sg" userId="cd05a825-544c-438a-9ba1-08e63db50b47" providerId="ADAL" clId="{9951FBC0-0DB4-4E89-AD15-8BA171954228}" dt="2021-03-01T07:03:15.979" v="62"/>
+            <ac:spMkLst>
+              <pc:docMk/>
+              <pc:sldMasterMk cId="0" sldId="2147485087"/>
+              <pc:sldLayoutMk cId="0" sldId="2147485092"/>
+              <ac:spMk id="9" creationId="{00000000-0000-0000-0000-000000000000}"/>
+            </ac:spMkLst>
+          </pc:spChg>
+        </pc:sldLayoutChg>
+        <pc:sldLayoutChg chg="modSp">
+          <pc:chgData name="dcszjin@nus.edu.sg" userId="cd05a825-544c-438a-9ba1-08e63db50b47" providerId="ADAL" clId="{9951FBC0-0DB4-4E89-AD15-8BA171954228}" dt="2021-03-01T07:03:15.979" v="62"/>
+          <pc:sldLayoutMkLst>
+            <pc:docMk/>
+            <pc:sldMasterMk cId="0" sldId="2147485087"/>
+            <pc:sldLayoutMk cId="0" sldId="2147485093"/>
+          </pc:sldLayoutMkLst>
+          <pc:spChg chg="mod">
+            <ac:chgData name="dcszjin@nus.edu.sg" userId="cd05a825-544c-438a-9ba1-08e63db50b47" providerId="ADAL" clId="{9951FBC0-0DB4-4E89-AD15-8BA171954228}" dt="2021-03-01T07:03:15.979" v="62"/>
+            <ac:spMkLst>
+              <pc:docMk/>
+              <pc:sldMasterMk cId="0" sldId="2147485087"/>
+              <pc:sldLayoutMk cId="0" sldId="2147485093"/>
+              <ac:spMk id="5" creationId="{00000000-0000-0000-0000-000000000000}"/>
+            </ac:spMkLst>
+          </pc:spChg>
+        </pc:sldLayoutChg>
+        <pc:sldLayoutChg chg="modSp">
+          <pc:chgData name="dcszjin@nus.edu.sg" userId="cd05a825-544c-438a-9ba1-08e63db50b47" providerId="ADAL" clId="{9951FBC0-0DB4-4E89-AD15-8BA171954228}" dt="2021-03-01T07:03:15.979" v="62"/>
+          <pc:sldLayoutMkLst>
+            <pc:docMk/>
+            <pc:sldMasterMk cId="0" sldId="2147485087"/>
+            <pc:sldLayoutMk cId="0" sldId="2147485094"/>
+          </pc:sldLayoutMkLst>
+          <pc:spChg chg="mod">
+            <ac:chgData name="dcszjin@nus.edu.sg" userId="cd05a825-544c-438a-9ba1-08e63db50b47" providerId="ADAL" clId="{9951FBC0-0DB4-4E89-AD15-8BA171954228}" dt="2021-03-01T07:03:15.979" v="62"/>
+            <ac:spMkLst>
+              <pc:docMk/>
+              <pc:sldMasterMk cId="0" sldId="2147485087"/>
+              <pc:sldLayoutMk cId="0" sldId="2147485094"/>
+              <ac:spMk id="4" creationId="{00000000-0000-0000-0000-000000000000}"/>
+            </ac:spMkLst>
+          </pc:spChg>
+        </pc:sldLayoutChg>
+        <pc:sldLayoutChg chg="modSp">
+          <pc:chgData name="dcszjin@nus.edu.sg" userId="cd05a825-544c-438a-9ba1-08e63db50b47" providerId="ADAL" clId="{9951FBC0-0DB4-4E89-AD15-8BA171954228}" dt="2021-03-01T07:03:15.979" v="62"/>
+          <pc:sldLayoutMkLst>
+            <pc:docMk/>
+            <pc:sldMasterMk cId="0" sldId="2147485087"/>
+            <pc:sldLayoutMk cId="0" sldId="2147485095"/>
+          </pc:sldLayoutMkLst>
+          <pc:spChg chg="mod">
+            <ac:chgData name="dcszjin@nus.edu.sg" userId="cd05a825-544c-438a-9ba1-08e63db50b47" providerId="ADAL" clId="{9951FBC0-0DB4-4E89-AD15-8BA171954228}" dt="2021-03-01T07:03:15.979" v="62"/>
+            <ac:spMkLst>
+              <pc:docMk/>
+              <pc:sldMasterMk cId="0" sldId="2147485087"/>
+              <pc:sldLayoutMk cId="0" sldId="2147485095"/>
+              <ac:spMk id="7" creationId="{00000000-0000-0000-0000-000000000000}"/>
+            </ac:spMkLst>
+          </pc:spChg>
+        </pc:sldLayoutChg>
+        <pc:sldLayoutChg chg="modSp">
+          <pc:chgData name="dcszjin@nus.edu.sg" userId="cd05a825-544c-438a-9ba1-08e63db50b47" providerId="ADAL" clId="{9951FBC0-0DB4-4E89-AD15-8BA171954228}" dt="2021-03-01T07:03:15.979" v="62"/>
+          <pc:sldLayoutMkLst>
+            <pc:docMk/>
+            <pc:sldMasterMk cId="0" sldId="2147485087"/>
+            <pc:sldLayoutMk cId="0" sldId="2147485096"/>
+          </pc:sldLayoutMkLst>
+          <pc:spChg chg="mod">
+            <ac:chgData name="dcszjin@nus.edu.sg" userId="cd05a825-544c-438a-9ba1-08e63db50b47" providerId="ADAL" clId="{9951FBC0-0DB4-4E89-AD15-8BA171954228}" dt="2021-03-01T07:03:15.979" v="62"/>
+            <ac:spMkLst>
+              <pc:docMk/>
+              <pc:sldMasterMk cId="0" sldId="2147485087"/>
+              <pc:sldLayoutMk cId="0" sldId="2147485096"/>
+              <ac:spMk id="7" creationId="{00000000-0000-0000-0000-000000000000}"/>
+            </ac:spMkLst>
+          </pc:spChg>
+        </pc:sldLayoutChg>
+        <pc:sldLayoutChg chg="modSp">
+          <pc:chgData name="dcszjin@nus.edu.sg" userId="cd05a825-544c-438a-9ba1-08e63db50b47" providerId="ADAL" clId="{9951FBC0-0DB4-4E89-AD15-8BA171954228}" dt="2021-03-01T07:03:15.979" v="62"/>
+          <pc:sldLayoutMkLst>
+            <pc:docMk/>
+            <pc:sldMasterMk cId="0" sldId="2147485087"/>
+            <pc:sldLayoutMk cId="0" sldId="2147485097"/>
+          </pc:sldLayoutMkLst>
+          <pc:spChg chg="mod">
+            <ac:chgData name="dcszjin@nus.edu.sg" userId="cd05a825-544c-438a-9ba1-08e63db50b47" providerId="ADAL" clId="{9951FBC0-0DB4-4E89-AD15-8BA171954228}" dt="2021-03-01T07:03:15.979" v="62"/>
+            <ac:spMkLst>
+              <pc:docMk/>
+              <pc:sldMasterMk cId="0" sldId="2147485087"/>
+              <pc:sldLayoutMk cId="0" sldId="2147485097"/>
+              <ac:spMk id="6" creationId="{00000000-0000-0000-0000-000000000000}"/>
+            </ac:spMkLst>
+          </pc:spChg>
+        </pc:sldLayoutChg>
+        <pc:sldLayoutChg chg="modSp">
+          <pc:chgData name="dcszjin@nus.edu.sg" userId="cd05a825-544c-438a-9ba1-08e63db50b47" providerId="ADAL" clId="{9951FBC0-0DB4-4E89-AD15-8BA171954228}" dt="2021-03-01T07:03:15.979" v="62"/>
+          <pc:sldLayoutMkLst>
+            <pc:docMk/>
+            <pc:sldMasterMk cId="0" sldId="2147485087"/>
+            <pc:sldLayoutMk cId="0" sldId="2147485098"/>
+          </pc:sldLayoutMkLst>
+          <pc:spChg chg="mod">
+            <ac:chgData name="dcszjin@nus.edu.sg" userId="cd05a825-544c-438a-9ba1-08e63db50b47" providerId="ADAL" clId="{9951FBC0-0DB4-4E89-AD15-8BA171954228}" dt="2021-03-01T07:03:15.979" v="62"/>
+            <ac:spMkLst>
+              <pc:docMk/>
+              <pc:sldMasterMk cId="0" sldId="2147485087"/>
+              <pc:sldLayoutMk cId="0" sldId="2147485098"/>
+              <ac:spMk id="6" creationId="{00000000-0000-0000-0000-000000000000}"/>
+            </ac:spMkLst>
+          </pc:spChg>
+        </pc:sldLayoutChg>
+      </pc:sldMasterChg>
+    </pc:docChg>
+  </pc:docChgLst>
+  <pc:docChgLst>
     <pc:chgData name="Zhao Jin" userId="cd05a825-544c-438a-9ba1-08e63db50b47" providerId="ADAL" clId="{37A0D694-38DA-4421-B5D3-DEDBFC2EC57C}"/>
     <pc:docChg chg="undo redo custSel mod addSld delSld modSld sldOrd modMainMaster">
       <pc:chgData name="Zhao Jin" userId="cd05a825-544c-438a-9ba1-08e63db50b47" providerId="ADAL" clId="{37A0D694-38DA-4421-B5D3-DEDBFC2EC57C}" dt="2021-02-08T07:59:31.262" v="4966" actId="20577"/>
@@ -7282,361 +7669,6 @@
           </pc:sldLayoutMkLst>
           <pc:spChg chg="mod">
             <ac:chgData name="Zhao Jin" userId="cd05a825-544c-438a-9ba1-08e63db50b47" providerId="ADAL" clId="{37A0D694-38DA-4421-B5D3-DEDBFC2EC57C}" dt="2021-02-03T06:56:12.527" v="36"/>
-            <ac:spMkLst>
-              <pc:docMk/>
-              <pc:sldMasterMk cId="0" sldId="2147485087"/>
-              <pc:sldLayoutMk cId="0" sldId="2147485098"/>
-              <ac:spMk id="6" creationId="{00000000-0000-0000-0000-000000000000}"/>
-            </ac:spMkLst>
-          </pc:spChg>
-        </pc:sldLayoutChg>
-      </pc:sldMasterChg>
-    </pc:docChg>
-  </pc:docChgLst>
-  <pc:docChgLst>
-    <pc:chgData name="dcszjin@nus.edu.sg" userId="cd05a825-544c-438a-9ba1-08e63db50b47" providerId="ADAL" clId="{9951FBC0-0DB4-4E89-AD15-8BA171954228}"/>
-    <pc:docChg chg="custSel modSld modMainMaster">
-      <pc:chgData name="dcszjin@nus.edu.sg" userId="cd05a825-544c-438a-9ba1-08e63db50b47" providerId="ADAL" clId="{9951FBC0-0DB4-4E89-AD15-8BA171954228}" dt="2021-03-01T07:03:49.103" v="65" actId="20577"/>
-      <pc:docMkLst>
-        <pc:docMk/>
-      </pc:docMkLst>
-      <pc:sldChg chg="modSp mod">
-        <pc:chgData name="dcszjin@nus.edu.sg" userId="cd05a825-544c-438a-9ba1-08e63db50b47" providerId="ADAL" clId="{9951FBC0-0DB4-4E89-AD15-8BA171954228}" dt="2021-03-01T07:03:04.415" v="61" actId="20577"/>
-        <pc:sldMkLst>
-          <pc:docMk/>
-          <pc:sldMk cId="0" sldId="256"/>
-        </pc:sldMkLst>
-        <pc:spChg chg="mod">
-          <ac:chgData name="dcszjin@nus.edu.sg" userId="cd05a825-544c-438a-9ba1-08e63db50b47" providerId="ADAL" clId="{9951FBC0-0DB4-4E89-AD15-8BA171954228}" dt="2021-03-01T07:02:44.775" v="1" actId="20577"/>
-          <ac:spMkLst>
-            <pc:docMk/>
-            <pc:sldMk cId="0" sldId="256"/>
-            <ac:spMk id="8" creationId="{00000000-0000-0000-0000-000000000000}"/>
-          </ac:spMkLst>
-        </pc:spChg>
-        <pc:spChg chg="mod">
-          <ac:chgData name="dcszjin@nus.edu.sg" userId="cd05a825-544c-438a-9ba1-08e63db50b47" providerId="ADAL" clId="{9951FBC0-0DB4-4E89-AD15-8BA171954228}" dt="2021-03-01T07:03:04.415" v="61" actId="20577"/>
-          <ac:spMkLst>
-            <pc:docMk/>
-            <pc:sldMk cId="0" sldId="256"/>
-            <ac:spMk id="11" creationId="{00000000-0000-0000-0000-000000000000}"/>
-          </ac:spMkLst>
-        </pc:spChg>
-      </pc:sldChg>
-      <pc:sldChg chg="modSp">
-        <pc:chgData name="dcszjin@nus.edu.sg" userId="cd05a825-544c-438a-9ba1-08e63db50b47" providerId="ADAL" clId="{9951FBC0-0DB4-4E89-AD15-8BA171954228}" dt="2021-03-01T07:03:15.979" v="62"/>
-        <pc:sldMkLst>
-          <pc:docMk/>
-          <pc:sldMk cId="2438607696" sldId="468"/>
-        </pc:sldMkLst>
-        <pc:spChg chg="mod">
-          <ac:chgData name="dcszjin@nus.edu.sg" userId="cd05a825-544c-438a-9ba1-08e63db50b47" providerId="ADAL" clId="{9951FBC0-0DB4-4E89-AD15-8BA171954228}" dt="2021-03-01T07:03:15.979" v="62"/>
-          <ac:spMkLst>
-            <pc:docMk/>
-            <pc:sldMk cId="2438607696" sldId="468"/>
-            <ac:spMk id="7" creationId="{00000000-0000-0000-0000-000000000000}"/>
-          </ac:spMkLst>
-        </pc:spChg>
-      </pc:sldChg>
-      <pc:sldChg chg="modSp">
-        <pc:chgData name="dcszjin@nus.edu.sg" userId="cd05a825-544c-438a-9ba1-08e63db50b47" providerId="ADAL" clId="{9951FBC0-0DB4-4E89-AD15-8BA171954228}" dt="2021-03-01T07:03:15.979" v="62"/>
-        <pc:sldMkLst>
-          <pc:docMk/>
-          <pc:sldMk cId="1067695719" sldId="526"/>
-        </pc:sldMkLst>
-        <pc:spChg chg="mod">
-          <ac:chgData name="dcszjin@nus.edu.sg" userId="cd05a825-544c-438a-9ba1-08e63db50b47" providerId="ADAL" clId="{9951FBC0-0DB4-4E89-AD15-8BA171954228}" dt="2021-03-01T07:03:15.979" v="62"/>
-          <ac:spMkLst>
-            <pc:docMk/>
-            <pc:sldMk cId="1067695719" sldId="526"/>
-            <ac:spMk id="43" creationId="{00000000-0000-0000-0000-000000000000}"/>
-          </ac:spMkLst>
-        </pc:spChg>
-      </pc:sldChg>
-      <pc:sldChg chg="delSp modSp mod">
-        <pc:chgData name="dcszjin@nus.edu.sg" userId="cd05a825-544c-438a-9ba1-08e63db50b47" providerId="ADAL" clId="{9951FBC0-0DB4-4E89-AD15-8BA171954228}" dt="2021-03-01T07:03:18.318" v="63" actId="478"/>
-        <pc:sldMkLst>
-          <pc:docMk/>
-          <pc:sldMk cId="2573090601" sldId="546"/>
-        </pc:sldMkLst>
-        <pc:spChg chg="mod">
-          <ac:chgData name="dcszjin@nus.edu.sg" userId="cd05a825-544c-438a-9ba1-08e63db50b47" providerId="ADAL" clId="{9951FBC0-0DB4-4E89-AD15-8BA171954228}" dt="2021-03-01T07:03:15.979" v="62"/>
-          <ac:spMkLst>
-            <pc:docMk/>
-            <pc:sldMk cId="2573090601" sldId="546"/>
-            <ac:spMk id="7" creationId="{00000000-0000-0000-0000-000000000000}"/>
-          </ac:spMkLst>
-        </pc:spChg>
-        <pc:spChg chg="del">
-          <ac:chgData name="dcszjin@nus.edu.sg" userId="cd05a825-544c-438a-9ba1-08e63db50b47" providerId="ADAL" clId="{9951FBC0-0DB4-4E89-AD15-8BA171954228}" dt="2021-03-01T07:03:18.318" v="63" actId="478"/>
-          <ac:spMkLst>
-            <pc:docMk/>
-            <pc:sldMk cId="2573090601" sldId="546"/>
-            <ac:spMk id="14340" creationId="{00000000-0000-0000-0000-000000000000}"/>
-          </ac:spMkLst>
-        </pc:spChg>
-      </pc:sldChg>
-      <pc:sldChg chg="modSp">
-        <pc:chgData name="dcszjin@nus.edu.sg" userId="cd05a825-544c-438a-9ba1-08e63db50b47" providerId="ADAL" clId="{9951FBC0-0DB4-4E89-AD15-8BA171954228}" dt="2021-03-01T07:03:15.979" v="62"/>
-        <pc:sldMkLst>
-          <pc:docMk/>
-          <pc:sldMk cId="1427618944" sldId="553"/>
-        </pc:sldMkLst>
-        <pc:spChg chg="mod">
-          <ac:chgData name="dcszjin@nus.edu.sg" userId="cd05a825-544c-438a-9ba1-08e63db50b47" providerId="ADAL" clId="{9951FBC0-0DB4-4E89-AD15-8BA171954228}" dt="2021-03-01T07:03:15.979" v="62"/>
-          <ac:spMkLst>
-            <pc:docMk/>
-            <pc:sldMk cId="1427618944" sldId="553"/>
-            <ac:spMk id="7" creationId="{00000000-0000-0000-0000-000000000000}"/>
-          </ac:spMkLst>
-        </pc:spChg>
-      </pc:sldChg>
-      <pc:sldChg chg="modSp">
-        <pc:chgData name="dcszjin@nus.edu.sg" userId="cd05a825-544c-438a-9ba1-08e63db50b47" providerId="ADAL" clId="{9951FBC0-0DB4-4E89-AD15-8BA171954228}" dt="2021-03-01T07:03:15.979" v="62"/>
-        <pc:sldMkLst>
-          <pc:docMk/>
-          <pc:sldMk cId="1094276337" sldId="601"/>
-        </pc:sldMkLst>
-        <pc:spChg chg="mod">
-          <ac:chgData name="dcszjin@nus.edu.sg" userId="cd05a825-544c-438a-9ba1-08e63db50b47" providerId="ADAL" clId="{9951FBC0-0DB4-4E89-AD15-8BA171954228}" dt="2021-03-01T07:03:15.979" v="62"/>
-          <ac:spMkLst>
-            <pc:docMk/>
-            <pc:sldMk cId="1094276337" sldId="601"/>
-            <ac:spMk id="7" creationId="{00000000-0000-0000-0000-000000000000}"/>
-          </ac:spMkLst>
-        </pc:spChg>
-      </pc:sldChg>
-      <pc:sldChg chg="modSp mod">
-        <pc:chgData name="dcszjin@nus.edu.sg" userId="cd05a825-544c-438a-9ba1-08e63db50b47" providerId="ADAL" clId="{9951FBC0-0DB4-4E89-AD15-8BA171954228}" dt="2021-03-01T07:03:49.103" v="65" actId="20577"/>
-        <pc:sldMkLst>
-          <pc:docMk/>
-          <pc:sldMk cId="1542002799" sldId="602"/>
-        </pc:sldMkLst>
-        <pc:spChg chg="mod">
-          <ac:chgData name="dcszjin@nus.edu.sg" userId="cd05a825-544c-438a-9ba1-08e63db50b47" providerId="ADAL" clId="{9951FBC0-0DB4-4E89-AD15-8BA171954228}" dt="2021-03-01T07:03:15.979" v="62"/>
-          <ac:spMkLst>
-            <pc:docMk/>
-            <pc:sldMk cId="1542002799" sldId="602"/>
-            <ac:spMk id="7" creationId="{00000000-0000-0000-0000-000000000000}"/>
-          </ac:spMkLst>
-        </pc:spChg>
-        <pc:spChg chg="mod">
-          <ac:chgData name="dcszjin@nus.edu.sg" userId="cd05a825-544c-438a-9ba1-08e63db50b47" providerId="ADAL" clId="{9951FBC0-0DB4-4E89-AD15-8BA171954228}" dt="2021-03-01T07:03:49.103" v="65" actId="20577"/>
-          <ac:spMkLst>
-            <pc:docMk/>
-            <pc:sldMk cId="1542002799" sldId="602"/>
-            <ac:spMk id="8" creationId="{00000000-0000-0000-0000-000000000000}"/>
-          </ac:spMkLst>
-        </pc:spChg>
-      </pc:sldChg>
-      <pc:sldChg chg="modSp">
-        <pc:chgData name="dcszjin@nus.edu.sg" userId="cd05a825-544c-438a-9ba1-08e63db50b47" providerId="ADAL" clId="{9951FBC0-0DB4-4E89-AD15-8BA171954228}" dt="2021-03-01T07:03:15.979" v="62"/>
-        <pc:sldMkLst>
-          <pc:docMk/>
-          <pc:sldMk cId="830535321" sldId="603"/>
-        </pc:sldMkLst>
-        <pc:spChg chg="mod">
-          <ac:chgData name="dcszjin@nus.edu.sg" userId="cd05a825-544c-438a-9ba1-08e63db50b47" providerId="ADAL" clId="{9951FBC0-0DB4-4E89-AD15-8BA171954228}" dt="2021-03-01T07:03:15.979" v="62"/>
-          <ac:spMkLst>
-            <pc:docMk/>
-            <pc:sldMk cId="830535321" sldId="603"/>
-            <ac:spMk id="7" creationId="{00000000-0000-0000-0000-000000000000}"/>
-          </ac:spMkLst>
-        </pc:spChg>
-      </pc:sldChg>
-      <pc:sldMasterChg chg="modSp modSldLayout">
-        <pc:chgData name="dcszjin@nus.edu.sg" userId="cd05a825-544c-438a-9ba1-08e63db50b47" providerId="ADAL" clId="{9951FBC0-0DB4-4E89-AD15-8BA171954228}" dt="2021-03-01T07:03:15.979" v="62"/>
-        <pc:sldMasterMkLst>
-          <pc:docMk/>
-          <pc:sldMasterMk cId="0" sldId="2147485087"/>
-        </pc:sldMasterMkLst>
-        <pc:spChg chg="mod">
-          <ac:chgData name="dcszjin@nus.edu.sg" userId="cd05a825-544c-438a-9ba1-08e63db50b47" providerId="ADAL" clId="{9951FBC0-0DB4-4E89-AD15-8BA171954228}" dt="2021-03-01T07:03:15.979" v="62"/>
-          <ac:spMkLst>
-            <pc:docMk/>
-            <pc:sldMasterMk cId="0" sldId="2147485087"/>
-            <ac:spMk id="6" creationId="{00000000-0000-0000-0000-000000000000}"/>
-          </ac:spMkLst>
-        </pc:spChg>
-        <pc:sldLayoutChg chg="modSp">
-          <pc:chgData name="dcszjin@nus.edu.sg" userId="cd05a825-544c-438a-9ba1-08e63db50b47" providerId="ADAL" clId="{9951FBC0-0DB4-4E89-AD15-8BA171954228}" dt="2021-03-01T07:03:15.979" v="62"/>
-          <pc:sldLayoutMkLst>
-            <pc:docMk/>
-            <pc:sldMasterMk cId="0" sldId="2147485087"/>
-            <pc:sldLayoutMk cId="0" sldId="2147485088"/>
-          </pc:sldLayoutMkLst>
-          <pc:spChg chg="mod">
-            <ac:chgData name="dcszjin@nus.edu.sg" userId="cd05a825-544c-438a-9ba1-08e63db50b47" providerId="ADAL" clId="{9951FBC0-0DB4-4E89-AD15-8BA171954228}" dt="2021-03-01T07:03:15.979" v="62"/>
-            <ac:spMkLst>
-              <pc:docMk/>
-              <pc:sldMasterMk cId="0" sldId="2147485087"/>
-              <pc:sldLayoutMk cId="0" sldId="2147485088"/>
-              <ac:spMk id="6" creationId="{00000000-0000-0000-0000-000000000000}"/>
-            </ac:spMkLst>
-          </pc:spChg>
-        </pc:sldLayoutChg>
-        <pc:sldLayoutChg chg="modSp">
-          <pc:chgData name="dcszjin@nus.edu.sg" userId="cd05a825-544c-438a-9ba1-08e63db50b47" providerId="ADAL" clId="{9951FBC0-0DB4-4E89-AD15-8BA171954228}" dt="2021-03-01T07:03:15.979" v="62"/>
-          <pc:sldLayoutMkLst>
-            <pc:docMk/>
-            <pc:sldMasterMk cId="0" sldId="2147485087"/>
-            <pc:sldLayoutMk cId="0" sldId="2147485089"/>
-          </pc:sldLayoutMkLst>
-          <pc:spChg chg="mod">
-            <ac:chgData name="dcszjin@nus.edu.sg" userId="cd05a825-544c-438a-9ba1-08e63db50b47" providerId="ADAL" clId="{9951FBC0-0DB4-4E89-AD15-8BA171954228}" dt="2021-03-01T07:03:15.979" v="62"/>
-            <ac:spMkLst>
-              <pc:docMk/>
-              <pc:sldMasterMk cId="0" sldId="2147485087"/>
-              <pc:sldLayoutMk cId="0" sldId="2147485089"/>
-              <ac:spMk id="6" creationId="{00000000-0000-0000-0000-000000000000}"/>
-            </ac:spMkLst>
-          </pc:spChg>
-        </pc:sldLayoutChg>
-        <pc:sldLayoutChg chg="modSp">
-          <pc:chgData name="dcszjin@nus.edu.sg" userId="cd05a825-544c-438a-9ba1-08e63db50b47" providerId="ADAL" clId="{9951FBC0-0DB4-4E89-AD15-8BA171954228}" dt="2021-03-01T07:03:15.979" v="62"/>
-          <pc:sldLayoutMkLst>
-            <pc:docMk/>
-            <pc:sldMasterMk cId="0" sldId="2147485087"/>
-            <pc:sldLayoutMk cId="0" sldId="2147485090"/>
-          </pc:sldLayoutMkLst>
-          <pc:spChg chg="mod">
-            <ac:chgData name="dcszjin@nus.edu.sg" userId="cd05a825-544c-438a-9ba1-08e63db50b47" providerId="ADAL" clId="{9951FBC0-0DB4-4E89-AD15-8BA171954228}" dt="2021-03-01T07:03:15.979" v="62"/>
-            <ac:spMkLst>
-              <pc:docMk/>
-              <pc:sldMasterMk cId="0" sldId="2147485087"/>
-              <pc:sldLayoutMk cId="0" sldId="2147485090"/>
-              <ac:spMk id="6" creationId="{00000000-0000-0000-0000-000000000000}"/>
-            </ac:spMkLst>
-          </pc:spChg>
-        </pc:sldLayoutChg>
-        <pc:sldLayoutChg chg="modSp">
-          <pc:chgData name="dcszjin@nus.edu.sg" userId="cd05a825-544c-438a-9ba1-08e63db50b47" providerId="ADAL" clId="{9951FBC0-0DB4-4E89-AD15-8BA171954228}" dt="2021-03-01T07:03:15.979" v="62"/>
-          <pc:sldLayoutMkLst>
-            <pc:docMk/>
-            <pc:sldMasterMk cId="0" sldId="2147485087"/>
-            <pc:sldLayoutMk cId="0" sldId="2147485091"/>
-          </pc:sldLayoutMkLst>
-          <pc:spChg chg="mod">
-            <ac:chgData name="dcszjin@nus.edu.sg" userId="cd05a825-544c-438a-9ba1-08e63db50b47" providerId="ADAL" clId="{9951FBC0-0DB4-4E89-AD15-8BA171954228}" dt="2021-03-01T07:03:15.979" v="62"/>
-            <ac:spMkLst>
-              <pc:docMk/>
-              <pc:sldMasterMk cId="0" sldId="2147485087"/>
-              <pc:sldLayoutMk cId="0" sldId="2147485091"/>
-              <ac:spMk id="7" creationId="{00000000-0000-0000-0000-000000000000}"/>
-            </ac:spMkLst>
-          </pc:spChg>
-        </pc:sldLayoutChg>
-        <pc:sldLayoutChg chg="modSp">
-          <pc:chgData name="dcszjin@nus.edu.sg" userId="cd05a825-544c-438a-9ba1-08e63db50b47" providerId="ADAL" clId="{9951FBC0-0DB4-4E89-AD15-8BA171954228}" dt="2021-03-01T07:03:15.979" v="62"/>
-          <pc:sldLayoutMkLst>
-            <pc:docMk/>
-            <pc:sldMasterMk cId="0" sldId="2147485087"/>
-            <pc:sldLayoutMk cId="0" sldId="2147485092"/>
-          </pc:sldLayoutMkLst>
-          <pc:spChg chg="mod">
-            <ac:chgData name="dcszjin@nus.edu.sg" userId="cd05a825-544c-438a-9ba1-08e63db50b47" providerId="ADAL" clId="{9951FBC0-0DB4-4E89-AD15-8BA171954228}" dt="2021-03-01T07:03:15.979" v="62"/>
-            <ac:spMkLst>
-              <pc:docMk/>
-              <pc:sldMasterMk cId="0" sldId="2147485087"/>
-              <pc:sldLayoutMk cId="0" sldId="2147485092"/>
-              <ac:spMk id="9" creationId="{00000000-0000-0000-0000-000000000000}"/>
-            </ac:spMkLst>
-          </pc:spChg>
-        </pc:sldLayoutChg>
-        <pc:sldLayoutChg chg="modSp">
-          <pc:chgData name="dcszjin@nus.edu.sg" userId="cd05a825-544c-438a-9ba1-08e63db50b47" providerId="ADAL" clId="{9951FBC0-0DB4-4E89-AD15-8BA171954228}" dt="2021-03-01T07:03:15.979" v="62"/>
-          <pc:sldLayoutMkLst>
-            <pc:docMk/>
-            <pc:sldMasterMk cId="0" sldId="2147485087"/>
-            <pc:sldLayoutMk cId="0" sldId="2147485093"/>
-          </pc:sldLayoutMkLst>
-          <pc:spChg chg="mod">
-            <ac:chgData name="dcszjin@nus.edu.sg" userId="cd05a825-544c-438a-9ba1-08e63db50b47" providerId="ADAL" clId="{9951FBC0-0DB4-4E89-AD15-8BA171954228}" dt="2021-03-01T07:03:15.979" v="62"/>
-            <ac:spMkLst>
-              <pc:docMk/>
-              <pc:sldMasterMk cId="0" sldId="2147485087"/>
-              <pc:sldLayoutMk cId="0" sldId="2147485093"/>
-              <ac:spMk id="5" creationId="{00000000-0000-0000-0000-000000000000}"/>
-            </ac:spMkLst>
-          </pc:spChg>
-        </pc:sldLayoutChg>
-        <pc:sldLayoutChg chg="modSp">
-          <pc:chgData name="dcszjin@nus.edu.sg" userId="cd05a825-544c-438a-9ba1-08e63db50b47" providerId="ADAL" clId="{9951FBC0-0DB4-4E89-AD15-8BA171954228}" dt="2021-03-01T07:03:15.979" v="62"/>
-          <pc:sldLayoutMkLst>
-            <pc:docMk/>
-            <pc:sldMasterMk cId="0" sldId="2147485087"/>
-            <pc:sldLayoutMk cId="0" sldId="2147485094"/>
-          </pc:sldLayoutMkLst>
-          <pc:spChg chg="mod">
-            <ac:chgData name="dcszjin@nus.edu.sg" userId="cd05a825-544c-438a-9ba1-08e63db50b47" providerId="ADAL" clId="{9951FBC0-0DB4-4E89-AD15-8BA171954228}" dt="2021-03-01T07:03:15.979" v="62"/>
-            <ac:spMkLst>
-              <pc:docMk/>
-              <pc:sldMasterMk cId="0" sldId="2147485087"/>
-              <pc:sldLayoutMk cId="0" sldId="2147485094"/>
-              <ac:spMk id="4" creationId="{00000000-0000-0000-0000-000000000000}"/>
-            </ac:spMkLst>
-          </pc:spChg>
-        </pc:sldLayoutChg>
-        <pc:sldLayoutChg chg="modSp">
-          <pc:chgData name="dcszjin@nus.edu.sg" userId="cd05a825-544c-438a-9ba1-08e63db50b47" providerId="ADAL" clId="{9951FBC0-0DB4-4E89-AD15-8BA171954228}" dt="2021-03-01T07:03:15.979" v="62"/>
-          <pc:sldLayoutMkLst>
-            <pc:docMk/>
-            <pc:sldMasterMk cId="0" sldId="2147485087"/>
-            <pc:sldLayoutMk cId="0" sldId="2147485095"/>
-          </pc:sldLayoutMkLst>
-          <pc:spChg chg="mod">
-            <ac:chgData name="dcszjin@nus.edu.sg" userId="cd05a825-544c-438a-9ba1-08e63db50b47" providerId="ADAL" clId="{9951FBC0-0DB4-4E89-AD15-8BA171954228}" dt="2021-03-01T07:03:15.979" v="62"/>
-            <ac:spMkLst>
-              <pc:docMk/>
-              <pc:sldMasterMk cId="0" sldId="2147485087"/>
-              <pc:sldLayoutMk cId="0" sldId="2147485095"/>
-              <ac:spMk id="7" creationId="{00000000-0000-0000-0000-000000000000}"/>
-            </ac:spMkLst>
-          </pc:spChg>
-        </pc:sldLayoutChg>
-        <pc:sldLayoutChg chg="modSp">
-          <pc:chgData name="dcszjin@nus.edu.sg" userId="cd05a825-544c-438a-9ba1-08e63db50b47" providerId="ADAL" clId="{9951FBC0-0DB4-4E89-AD15-8BA171954228}" dt="2021-03-01T07:03:15.979" v="62"/>
-          <pc:sldLayoutMkLst>
-            <pc:docMk/>
-            <pc:sldMasterMk cId="0" sldId="2147485087"/>
-            <pc:sldLayoutMk cId="0" sldId="2147485096"/>
-          </pc:sldLayoutMkLst>
-          <pc:spChg chg="mod">
-            <ac:chgData name="dcszjin@nus.edu.sg" userId="cd05a825-544c-438a-9ba1-08e63db50b47" providerId="ADAL" clId="{9951FBC0-0DB4-4E89-AD15-8BA171954228}" dt="2021-03-01T07:03:15.979" v="62"/>
-            <ac:spMkLst>
-              <pc:docMk/>
-              <pc:sldMasterMk cId="0" sldId="2147485087"/>
-              <pc:sldLayoutMk cId="0" sldId="2147485096"/>
-              <ac:spMk id="7" creationId="{00000000-0000-0000-0000-000000000000}"/>
-            </ac:spMkLst>
-          </pc:spChg>
-        </pc:sldLayoutChg>
-        <pc:sldLayoutChg chg="modSp">
-          <pc:chgData name="dcszjin@nus.edu.sg" userId="cd05a825-544c-438a-9ba1-08e63db50b47" providerId="ADAL" clId="{9951FBC0-0DB4-4E89-AD15-8BA171954228}" dt="2021-03-01T07:03:15.979" v="62"/>
-          <pc:sldLayoutMkLst>
-            <pc:docMk/>
-            <pc:sldMasterMk cId="0" sldId="2147485087"/>
-            <pc:sldLayoutMk cId="0" sldId="2147485097"/>
-          </pc:sldLayoutMkLst>
-          <pc:spChg chg="mod">
-            <ac:chgData name="dcszjin@nus.edu.sg" userId="cd05a825-544c-438a-9ba1-08e63db50b47" providerId="ADAL" clId="{9951FBC0-0DB4-4E89-AD15-8BA171954228}" dt="2021-03-01T07:03:15.979" v="62"/>
-            <ac:spMkLst>
-              <pc:docMk/>
-              <pc:sldMasterMk cId="0" sldId="2147485087"/>
-              <pc:sldLayoutMk cId="0" sldId="2147485097"/>
-              <ac:spMk id="6" creationId="{00000000-0000-0000-0000-000000000000}"/>
-            </ac:spMkLst>
-          </pc:spChg>
-        </pc:sldLayoutChg>
-        <pc:sldLayoutChg chg="modSp">
-          <pc:chgData name="dcszjin@nus.edu.sg" userId="cd05a825-544c-438a-9ba1-08e63db50b47" providerId="ADAL" clId="{9951FBC0-0DB4-4E89-AD15-8BA171954228}" dt="2021-03-01T07:03:15.979" v="62"/>
-          <pc:sldLayoutMkLst>
-            <pc:docMk/>
-            <pc:sldMasterMk cId="0" sldId="2147485087"/>
-            <pc:sldLayoutMk cId="0" sldId="2147485098"/>
-          </pc:sldLayoutMkLst>
-          <pc:spChg chg="mod">
-            <ac:chgData name="dcszjin@nus.edu.sg" userId="cd05a825-544c-438a-9ba1-08e63db50b47" providerId="ADAL" clId="{9951FBC0-0DB4-4E89-AD15-8BA171954228}" dt="2021-03-01T07:03:15.979" v="62"/>
             <ac:spMkLst>
               <pc:docMk/>
               <pc:sldMasterMk cId="0" sldId="2147485087"/>
@@ -10318,7 +10350,7 @@
               <a:pPr>
                 <a:defRPr/>
               </a:pPr>
-              <a:t>3/22/2021</a:t>
+              <a:t>4/5/21</a:t>
             </a:fld>
             <a:endParaRPr lang="en-US" dirty="0"/>
           </a:p>
@@ -15774,8 +15806,8 @@
         </p:nvSpPr>
         <p:spPr>
           <a:xfrm>
-            <a:off x="587375" y="1213339"/>
-            <a:ext cx="8240102" cy="3675184"/>
+            <a:off x="587375" y="1213338"/>
+            <a:ext cx="8240102" cy="5263661"/>
           </a:xfrm>
         </p:spPr>
         <p:txBody>
@@ -15813,7 +15845,7 @@
               <a:buChar char="§"/>
             </a:pPr>
             <a:r>
-              <a:rPr lang="en-US" dirty="0" err="1">
+              <a:rPr lang="en-US" sz="2400" dirty="0" err="1">
                 <a:solidFill>
                   <a:srgbClr val="C00000"/>
                 </a:solidFill>
@@ -15821,7 +15853,7 @@
               <a:t>fgets</a:t>
             </a:r>
             <a:r>
-              <a:rPr lang="en-US" dirty="0">
+              <a:rPr lang="en-US" sz="2400" dirty="0">
                 <a:solidFill>
                   <a:srgbClr val="C00000"/>
                 </a:solidFill>
@@ -15829,7 +15861,7 @@
               <a:t>(</a:t>
             </a:r>
             <a:r>
-              <a:rPr lang="en-US" dirty="0" err="1">
+              <a:rPr lang="en-US" sz="2400" dirty="0" err="1">
                 <a:solidFill>
                   <a:srgbClr val="C00000"/>
                 </a:solidFill>
@@ -15837,7 +15869,7 @@
               <a:t>ptr_to_str</a:t>
             </a:r>
             <a:r>
-              <a:rPr lang="en-US" dirty="0">
+              <a:rPr lang="en-US" sz="2400" dirty="0">
                 <a:solidFill>
                   <a:srgbClr val="C00000"/>
                 </a:solidFill>
@@ -15882,7 +15914,7 @@
             </a:endParaRPr>
           </a:p>
           <a:p>
-            <a:pPr marL="626745" lvl="1" indent="-352425">
+            <a:pPr marL="0" indent="0">
               <a:buClr>
                 <a:schemeClr val="tx1">
                   <a:lumMod val="90000"/>
@@ -15890,31 +15922,13 @@
                 </a:schemeClr>
               </a:buClr>
               <a:buSzPct val="100000"/>
-              <a:buFont typeface="Wingdings" panose="05000000000000000000" pitchFamily="2" charset="2"/>
-              <a:buChar char="§"/>
+              <a:buNone/>
             </a:pPr>
             <a:endParaRPr lang="en-US" dirty="0">
               <a:solidFill>
                 <a:srgbClr val="C00000"/>
               </a:solidFill>
-            </a:endParaRPr>
-          </a:p>
-          <a:p>
-            <a:pPr marL="626745" lvl="1" indent="-352425">
-              <a:buClr>
-                <a:schemeClr val="tx1">
-                  <a:lumMod val="90000"/>
-                  <a:lumOff val="10000"/>
-                </a:schemeClr>
-              </a:buClr>
-              <a:buSzPct val="100000"/>
-              <a:buFont typeface="Wingdings" panose="05000000000000000000" pitchFamily="2" charset="2"/>
-              <a:buChar char="§"/>
-            </a:pPr>
-            <a:endParaRPr lang="en-US" dirty="0">
-              <a:solidFill>
-                <a:srgbClr val="C00000"/>
-              </a:solidFill>
+              <a:sym typeface="Wingdings" panose="05000000000000000000" pitchFamily="2" charset="2"/>
             </a:endParaRPr>
           </a:p>
           <a:p>
@@ -15933,7 +15947,7 @@
               <a:rPr lang="en-US" kern="0" dirty="0">
                 <a:sym typeface="Wingdings" panose="05000000000000000000" pitchFamily="2" charset="2"/>
               </a:rPr>
-              <a:t>Stop when size – 1 characters has been read, or a newline is reached.</a:t>
+              <a:t>Stop when size - 1 characters has been read, or a newline is reached.</a:t>
             </a:r>
             <a:endParaRPr lang="en-US" b="1" dirty="0">
               <a:solidFill>
@@ -15958,8 +15972,8 @@
         </p:nvSpPr>
         <p:spPr>
           <a:xfrm>
-            <a:off x="999537" y="2176699"/>
-            <a:ext cx="3192319" cy="584775"/>
+            <a:off x="999538" y="2249436"/>
+            <a:ext cx="3489336" cy="646331"/>
           </a:xfrm>
           <a:prstGeom prst="rect">
             <a:avLst/>
@@ -15988,7 +16002,7 @@
           <a:lstStyle/>
           <a:p>
             <a:r>
-              <a:rPr lang="en-US" sz="1600" b="1" dirty="0">
+              <a:rPr lang="en-US" b="1" dirty="0">
                 <a:solidFill>
                   <a:srgbClr val="0000FF"/>
                 </a:solidFill>
@@ -15998,19 +16012,19 @@
               <a:t>char</a:t>
             </a:r>
             <a:r>
-              <a:rPr lang="en-US" sz="1600" b="1" dirty="0">
+              <a:rPr lang="en-US" b="1" dirty="0">
                 <a:solidFill>
                   <a:schemeClr val="tx1"/>
                 </a:solidFill>
                 <a:latin typeface="Courier New" pitchFamily="49" charset="0"/>
                 <a:cs typeface="Courier New" pitchFamily="49" charset="0"/>
               </a:rPr>
-              <a:t> *array[</a:t>
-            </a:r>
-            <a:r>
-              <a:rPr lang="en-US" sz="1600" b="1" dirty="0">
-                <a:solidFill>
-                  <a:srgbClr val="006600"/>
+              <a:t> array[</a:t>
+            </a:r>
+            <a:r>
+              <a:rPr lang="en-US" b="1" dirty="0">
+                <a:solidFill>
+                  <a:srgbClr val="C00000"/>
                 </a:solidFill>
                 <a:latin typeface="Courier New" pitchFamily="49" charset="0"/>
                 <a:cs typeface="Courier New" pitchFamily="49" charset="0"/>
@@ -16018,7 +16032,7 @@
               <a:t>20</a:t>
             </a:r>
             <a:r>
-              <a:rPr lang="en-US" sz="1600" b="1" dirty="0">
+              <a:rPr lang="en-US" b="1" dirty="0">
                 <a:solidFill>
                   <a:schemeClr val="tx1"/>
                 </a:solidFill>
@@ -16030,7 +16044,7 @@
           </a:p>
           <a:p>
             <a:r>
-              <a:rPr lang="en-US" sz="1600" b="1" dirty="0" err="1">
+              <a:rPr lang="en-US" b="1" dirty="0" err="1">
                 <a:solidFill>
                   <a:schemeClr val="tx1"/>
                 </a:solidFill>
@@ -16040,7 +16054,7 @@
               <a:t>fgets</a:t>
             </a:r>
             <a:r>
-              <a:rPr lang="en-US" sz="1600" b="1" dirty="0">
+              <a:rPr lang="en-US" b="1" dirty="0">
                 <a:solidFill>
                   <a:schemeClr val="tx1"/>
                 </a:solidFill>
@@ -16050,9 +16064,9 @@
               <a:t>(array, </a:t>
             </a:r>
             <a:r>
-              <a:rPr lang="en-US" sz="1600" b="1" dirty="0">
-                <a:solidFill>
-                  <a:srgbClr val="006600"/>
+              <a:rPr lang="en-US" b="1" dirty="0">
+                <a:solidFill>
+                  <a:srgbClr val="C00000"/>
                 </a:solidFill>
                 <a:latin typeface="Courier New" pitchFamily="49" charset="0"/>
                 <a:cs typeface="Courier New" pitchFamily="49" charset="0"/>
@@ -16060,7 +16074,7 @@
               <a:t>20</a:t>
             </a:r>
             <a:r>
-              <a:rPr lang="en-US" sz="1600" b="1" dirty="0">
+              <a:rPr lang="en-US" b="1" dirty="0">
                 <a:solidFill>
                   <a:schemeClr val="tx1"/>
                 </a:solidFill>
@@ -16086,7 +16100,7 @@
         </p:nvSpPr>
         <p:spPr>
           <a:xfrm>
-            <a:off x="4572000" y="2176699"/>
+            <a:off x="4852557" y="2249436"/>
             <a:ext cx="2547991" cy="923330"/>
           </a:xfrm>
           <a:prstGeom prst="rect">
@@ -17059,8 +17073,8 @@
         </p:nvSpPr>
         <p:spPr>
           <a:xfrm>
-            <a:off x="1057999" y="3352734"/>
-            <a:ext cx="3335288" cy="1077218"/>
+            <a:off x="1057998" y="3352734"/>
+            <a:ext cx="3649427" cy="1200329"/>
           </a:xfrm>
           <a:prstGeom prst="rect">
             <a:avLst/>
@@ -17089,7 +17103,7 @@
           <a:lstStyle/>
           <a:p>
             <a:r>
-              <a:rPr lang="en-US" sz="1600" b="1" dirty="0" err="1">
+              <a:rPr lang="en-US" b="1" dirty="0" err="1">
                 <a:solidFill>
                   <a:schemeClr val="tx1"/>
                 </a:solidFill>
@@ -17098,7 +17112,7 @@
               <a:t>fgets</a:t>
             </a:r>
             <a:r>
-              <a:rPr lang="en-US" sz="1600" b="1" dirty="0">
+              <a:rPr lang="en-US" b="1" dirty="0">
                 <a:solidFill>
                   <a:schemeClr val="tx1"/>
                 </a:solidFill>
@@ -17107,7 +17121,7 @@
               <a:t>(str, size, stdin);</a:t>
             </a:r>
             <a:br>
-              <a:rPr lang="en-US" sz="1600" b="1" dirty="0">
+              <a:rPr lang="en-US" b="1" dirty="0">
                 <a:solidFill>
                   <a:schemeClr val="tx1"/>
                 </a:solidFill>
@@ -17115,7 +17129,7 @@
               </a:rPr>
             </a:br>
             <a:r>
-              <a:rPr lang="en-US" sz="1600" b="1" dirty="0" err="1">
+              <a:rPr lang="en-US" b="1" dirty="0" err="1">
                 <a:solidFill>
                   <a:schemeClr val="tx1"/>
                 </a:solidFill>
@@ -17124,7 +17138,7 @@
               <a:t>len</a:t>
             </a:r>
             <a:r>
-              <a:rPr lang="en-US" sz="1600" b="1" dirty="0">
+              <a:rPr lang="en-US" b="1" dirty="0">
                 <a:solidFill>
                   <a:schemeClr val="tx1"/>
                 </a:solidFill>
@@ -17133,7 +17147,7 @@
               <a:t> = </a:t>
             </a:r>
             <a:r>
-              <a:rPr lang="en-US" sz="1600" b="1" dirty="0" err="1">
+              <a:rPr lang="en-US" b="1" dirty="0" err="1">
                 <a:solidFill>
                   <a:schemeClr val="tx1"/>
                 </a:solidFill>
@@ -17142,7 +17156,7 @@
               <a:t>strlen</a:t>
             </a:r>
             <a:r>
-              <a:rPr lang="en-US" sz="1600" b="1" dirty="0">
+              <a:rPr lang="en-US" b="1" dirty="0">
                 <a:solidFill>
                   <a:schemeClr val="tx1"/>
                 </a:solidFill>
@@ -17151,7 +17165,7 @@
               <a:t>(str);</a:t>
             </a:r>
             <a:br>
-              <a:rPr lang="en-US" sz="1600" b="1" dirty="0">
+              <a:rPr lang="en-US" b="1" dirty="0">
                 <a:solidFill>
                   <a:schemeClr val="tx1"/>
                 </a:solidFill>
@@ -17159,7 +17173,7 @@
               </a:rPr>
             </a:br>
             <a:r>
-              <a:rPr lang="en-US" sz="1600" b="1" dirty="0">
+              <a:rPr lang="en-US" b="1" dirty="0">
                 <a:solidFill>
                   <a:srgbClr val="0000FF"/>
                 </a:solidFill>
@@ -17168,7 +17182,7 @@
               <a:t>if</a:t>
             </a:r>
             <a:r>
-              <a:rPr lang="en-US" sz="1600" b="1" dirty="0">
+              <a:rPr lang="en-US" b="1" dirty="0">
                 <a:solidFill>
                   <a:schemeClr val="tx1"/>
                 </a:solidFill>
@@ -17177,7 +17191,7 @@
               <a:t> (str[</a:t>
             </a:r>
             <a:r>
-              <a:rPr lang="en-US" sz="1600" b="1" dirty="0" err="1">
+              <a:rPr lang="en-US" b="1" dirty="0" err="1">
                 <a:solidFill>
                   <a:schemeClr val="tx1"/>
                 </a:solidFill>
@@ -17186,7 +17200,7 @@
               <a:t>len</a:t>
             </a:r>
             <a:r>
-              <a:rPr lang="en-US" sz="1600" b="1" dirty="0">
+              <a:rPr lang="en-US" b="1" dirty="0">
                 <a:solidFill>
                   <a:schemeClr val="tx1"/>
                 </a:solidFill>
@@ -17195,7 +17209,7 @@
               <a:t> – </a:t>
             </a:r>
             <a:r>
-              <a:rPr lang="en-US" sz="1600" b="1" dirty="0">
+              <a:rPr lang="en-US" b="1" dirty="0">
                 <a:solidFill>
                   <a:srgbClr val="C00000"/>
                 </a:solidFill>
@@ -17204,7 +17218,7 @@
               <a:t>1</a:t>
             </a:r>
             <a:r>
-              <a:rPr lang="en-US" sz="1600" b="1" dirty="0">
+              <a:rPr lang="en-US" b="1" dirty="0">
                 <a:solidFill>
                   <a:schemeClr val="tx1"/>
                 </a:solidFill>
@@ -17213,7 +17227,7 @@
               <a:t>] == </a:t>
             </a:r>
             <a:r>
-              <a:rPr lang="en-US" sz="1600" b="1" dirty="0">
+              <a:rPr lang="en-US" b="1" dirty="0">
                 <a:solidFill>
                   <a:srgbClr val="006600"/>
                 </a:solidFill>
@@ -17222,7 +17236,7 @@
               <a:t>'</a:t>
             </a:r>
             <a:r>
-              <a:rPr lang="en-US" sz="1600" b="1" dirty="0">
+              <a:rPr lang="en-US" b="1" dirty="0">
                 <a:solidFill>
                   <a:srgbClr val="FF0000"/>
                 </a:solidFill>
@@ -17231,7 +17245,7 @@
               <a:t>\n</a:t>
             </a:r>
             <a:r>
-              <a:rPr lang="en-US" sz="1600" b="1" dirty="0">
+              <a:rPr lang="en-US" b="1" dirty="0">
                 <a:solidFill>
                   <a:srgbClr val="006600"/>
                 </a:solidFill>
@@ -17240,7 +17254,7 @@
               <a:t>'</a:t>
             </a:r>
             <a:r>
-              <a:rPr lang="en-US" sz="1600" b="1" dirty="0">
+              <a:rPr lang="en-US" b="1" dirty="0">
                 <a:solidFill>
                   <a:schemeClr val="tx1"/>
                 </a:solidFill>
@@ -17249,7 +17263,7 @@
               <a:t>)</a:t>
             </a:r>
             <a:br>
-              <a:rPr lang="en-US" sz="1600" b="1" dirty="0">
+              <a:rPr lang="en-US" b="1" dirty="0">
                 <a:solidFill>
                   <a:schemeClr val="tx1"/>
                 </a:solidFill>
@@ -17257,7 +17271,7 @@
               </a:rPr>
             </a:br>
             <a:r>
-              <a:rPr lang="en-US" sz="1600" b="1" dirty="0">
+              <a:rPr lang="en-US" b="1" dirty="0">
                 <a:solidFill>
                   <a:schemeClr val="tx1"/>
                 </a:solidFill>
@@ -17266,7 +17280,7 @@
               <a:t>  str[</a:t>
             </a:r>
             <a:r>
-              <a:rPr lang="en-US" sz="1600" b="1" dirty="0" err="1">
+              <a:rPr lang="en-US" b="1" dirty="0" err="1">
                 <a:solidFill>
                   <a:schemeClr val="tx1"/>
                 </a:solidFill>
@@ -17275,7 +17289,7 @@
               <a:t>len</a:t>
             </a:r>
             <a:r>
-              <a:rPr lang="en-US" sz="1600" b="1" dirty="0">
+              <a:rPr lang="en-US" b="1" dirty="0">
                 <a:solidFill>
                   <a:schemeClr val="tx1"/>
                 </a:solidFill>
@@ -17284,7 +17298,7 @@
               <a:t> – </a:t>
             </a:r>
             <a:r>
-              <a:rPr lang="en-US" sz="1600" b="1" dirty="0">
+              <a:rPr lang="en-US" b="1" dirty="0">
                 <a:solidFill>
                   <a:srgbClr val="C00000"/>
                 </a:solidFill>
@@ -17293,7 +17307,7 @@
               <a:t>1</a:t>
             </a:r>
             <a:r>
-              <a:rPr lang="en-US" sz="1600" b="1" dirty="0">
+              <a:rPr lang="en-US" b="1" dirty="0">
                 <a:solidFill>
                   <a:schemeClr val="tx1"/>
                 </a:solidFill>
@@ -17302,7 +17316,7 @@
               <a:t>] = </a:t>
             </a:r>
             <a:r>
-              <a:rPr lang="en-US" sz="1600" b="1" dirty="0">
+              <a:rPr lang="en-US" b="1" dirty="0">
                 <a:solidFill>
                   <a:srgbClr val="006600"/>
                 </a:solidFill>
@@ -17311,7 +17325,7 @@
               <a:t>'</a:t>
             </a:r>
             <a:r>
-              <a:rPr lang="en-US" sz="1600" b="1" dirty="0">
+              <a:rPr lang="en-US" b="1" dirty="0">
                 <a:solidFill>
                   <a:srgbClr val="FF0000"/>
                 </a:solidFill>
@@ -17320,7 +17334,7 @@
               <a:t>\0</a:t>
             </a:r>
             <a:r>
-              <a:rPr lang="en-US" sz="1600" b="1" dirty="0">
+              <a:rPr lang="en-US" b="1" dirty="0">
                 <a:solidFill>
                   <a:srgbClr val="006600"/>
                 </a:solidFill>
@@ -17329,7 +17343,7 @@
               <a:t>'</a:t>
             </a:r>
             <a:r>
-              <a:rPr lang="en-US" sz="1600" b="1" dirty="0">
+              <a:rPr lang="en-US" b="1" dirty="0">
                 <a:solidFill>
                   <a:schemeClr val="tx1"/>
                 </a:solidFill>
@@ -17337,7 +17351,7 @@
               </a:rPr>
               <a:t>;</a:t>
             </a:r>
-            <a:endParaRPr lang="en-US" sz="1200" b="1" dirty="0">
+            <a:endParaRPr lang="en-US" sz="1400" b="1" dirty="0">
               <a:solidFill>
                 <a:schemeClr val="tx1"/>
               </a:solidFill>
@@ -17361,7 +17375,7 @@
         </p:nvSpPr>
         <p:spPr>
           <a:xfrm>
-            <a:off x="4707426" y="3356093"/>
+            <a:off x="4936028" y="3356093"/>
             <a:ext cx="2465797" cy="646331"/>
           </a:xfrm>
           <a:prstGeom prst="rect">
@@ -17816,13 +17830,8 @@
             </a:pPr>
             <a:r>
               <a:rPr lang="en-US" sz="2400" dirty="0"/>
-              <a:t>Post-Lecture Diagnostic Quiz and </a:t>
-            </a:r>
-            <a:r>
-              <a:rPr lang="en-US" sz="2400"/>
-              <a:t>Assignment 8</a:t>
-            </a:r>
-            <a:endParaRPr lang="en-US" sz="2400" dirty="0"/>
+              <a:t>Post-Lecture Diagnostic Quiz and Assignment 8</a:t>
+            </a:r>
           </a:p>
           <a:p>
             <a:pPr marL="800100" lvl="1" indent="-342900">
@@ -17908,6 +17917,67 @@
             <a:r>
               <a:rPr lang="en-US" sz="2400" dirty="0"/>
               <a:t>To be discussed in Week 13 during tutorials.</a:t>
+            </a:r>
+          </a:p>
+          <a:p>
+            <a:pPr marL="800100" lvl="1" indent="-342900">
+              <a:spcBef>
+                <a:spcPts val="1200"/>
+              </a:spcBef>
+              <a:buClr>
+                <a:schemeClr val="accent4">
+                  <a:lumMod val="60000"/>
+                  <a:lumOff val="40000"/>
+                </a:schemeClr>
+              </a:buClr>
+              <a:buSzPct val="75000"/>
+              <a:buFont typeface="Wingdings" pitchFamily="2" charset="2"/>
+              <a:buChar char="n"/>
+            </a:pPr>
+            <a:endParaRPr lang="en-US" sz="2400" dirty="0"/>
+          </a:p>
+          <a:p>
+            <a:pPr marL="342900" indent="-342900">
+              <a:spcBef>
+                <a:spcPts val="1200"/>
+              </a:spcBef>
+              <a:buClr>
+                <a:schemeClr val="accent4">
+                  <a:lumMod val="60000"/>
+                  <a:lumOff val="40000"/>
+                </a:schemeClr>
+              </a:buClr>
+              <a:buSzPct val="75000"/>
+              <a:buFont typeface="Wingdings" pitchFamily="2" charset="2"/>
+              <a:buChar char="n"/>
+            </a:pPr>
+            <a:r>
+              <a:rPr lang="en-US" sz="2400" dirty="0"/>
+              <a:t>Preparation for PE2</a:t>
+            </a:r>
+          </a:p>
+          <a:p>
+            <a:pPr marL="800100" lvl="1" indent="-342900">
+              <a:spcBef>
+                <a:spcPts val="1200"/>
+              </a:spcBef>
+              <a:buClr>
+                <a:schemeClr val="accent4">
+                  <a:lumMod val="60000"/>
+                  <a:lumOff val="40000"/>
+                </a:schemeClr>
+              </a:buClr>
+              <a:buSzPct val="75000"/>
+              <a:buFont typeface="Wingdings" pitchFamily="2" charset="2"/>
+              <a:buChar char="n"/>
+            </a:pPr>
+            <a:r>
+              <a:rPr lang="en-US" sz="2400" dirty="0">
+                <a:solidFill>
+                  <a:srgbClr val="0000FF"/>
+                </a:solidFill>
+              </a:rPr>
+              <a:t>Saturday of Week 12, 9am-12nn</a:t>
             </a:r>
           </a:p>
           <a:p>
@@ -19190,7 +19260,19 @@
           <a:p>
             <a:r>
               <a:rPr lang="en-US" dirty="0"/>
-              <a:t>Print "Hello world" with a new line".</a:t>
+              <a:t>Print "Hello World!" with </a:t>
+            </a:r>
+            <a:r>
+              <a:rPr lang="en-US" dirty="0">
+                <a:solidFill>
+                  <a:srgbClr val="0000FF"/>
+                </a:solidFill>
+              </a:rPr>
+              <a:t>a new line</a:t>
+            </a:r>
+            <a:r>
+              <a:rPr lang="en-US" dirty="0"/>
+              <a:t>.</a:t>
             </a:r>
           </a:p>
         </p:txBody>
@@ -19854,7 +19936,7 @@
               <a:buChar char="§"/>
             </a:pPr>
             <a:r>
-              <a:rPr lang="en-US" dirty="0" err="1"/>
+              <a:rPr lang="en-US" b="1" dirty="0" err="1"/>
               <a:t>length_modifier</a:t>
             </a:r>
             <a:r>
@@ -21081,14 +21163,9 @@
               <a:rPr lang="en-US" dirty="0"/>
               <a:t>]specifier</a:t>
             </a:r>
-            <a:endParaRPr lang="en-US" sz="1200" dirty="0">
-              <a:solidFill>
-                <a:srgbClr val="0000FF"/>
-              </a:solidFill>
-            </a:endParaRPr>
-          </a:p>
-          <a:p>
-            <a:pPr marL="625475" lvl="1" indent="-277813" fontAlgn="auto">
+          </a:p>
+          <a:p>
+            <a:pPr marL="347662" lvl="1" indent="0" fontAlgn="auto">
               <a:spcAft>
                 <a:spcPts val="0"/>
               </a:spcAft>
@@ -21098,8 +21175,7 @@
                 </a:schemeClr>
               </a:buClr>
               <a:buSzPct val="100000"/>
-              <a:buFont typeface="Wingdings" panose="05000000000000000000" pitchFamily="2" charset="2"/>
-              <a:buChar char="§"/>
+              <a:buNone/>
             </a:pPr>
             <a:endParaRPr lang="en-US" sz="1800" dirty="0">
               <a:solidFill>
@@ -21330,8 +21406,8 @@
         </p:nvSpPr>
         <p:spPr bwMode="auto">
           <a:xfrm>
-            <a:off x="587375" y="4080302"/>
-            <a:ext cx="8229600" cy="2053883"/>
+            <a:off x="587374" y="4080302"/>
+            <a:ext cx="8438385" cy="2053883"/>
           </a:xfrm>
           <a:prstGeom prst="rect">
             <a:avLst/>
@@ -21386,8 +21462,8 @@
               <a:defRPr/>
             </a:pPr>
             <a:r>
-              <a:rPr lang="en-US" sz="2000" kern="0" dirty="0" err="1"/>
-              <a:t>Field_width</a:t>
+              <a:rPr lang="en-US" sz="2000" b="1" kern="0" dirty="0"/>
+              <a:t>Flags</a:t>
             </a:r>
             <a:r>
               <a:rPr lang="en-US" sz="2000" kern="0" dirty="0"/>
@@ -21399,13 +21475,17 @@
                   <a:srgbClr val="0000FF"/>
                 </a:solidFill>
               </a:rPr>
-              <a:t>%3d </a:t>
+              <a:t>+d</a:t>
+            </a:r>
+            <a:r>
+              <a:rPr lang="en-US" sz="2000" kern="0" dirty="0"/>
+              <a:t> </a:t>
             </a:r>
             <a:r>
               <a:rPr lang="en-US" sz="2000" kern="0" dirty="0">
                 <a:sym typeface="Wingdings" panose="05000000000000000000" pitchFamily="2" charset="2"/>
               </a:rPr>
-              <a:t> Pad the number to 3 characters with space.</a:t>
+              <a:t> Print the sign of the number. "+7"</a:t>
             </a:r>
             <a:endParaRPr lang="en-US" sz="2000" kern="0" dirty="0"/>
           </a:p>
@@ -21425,41 +21505,28 @@
               <a:defRPr/>
             </a:pPr>
             <a:r>
+              <a:rPr lang="en-US" sz="2000" b="1" kern="0" dirty="0" err="1"/>
+              <a:t>Field_width</a:t>
+            </a:r>
+            <a:r>
+              <a:rPr lang="en-US" sz="2000" kern="0" dirty="0"/>
+              <a:t>: </a:t>
+            </a:r>
+            <a:r>
               <a:rPr lang="en-US" sz="2000" kern="0" dirty="0">
-                <a:latin typeface="+mn-lt"/>
-                <a:cs typeface="+mn-cs"/>
-              </a:rPr>
-              <a:t>Flags: </a:t>
+                <a:solidFill>
+                  <a:srgbClr val="0000FF"/>
+                </a:solidFill>
+              </a:rPr>
+              <a:t>%3d </a:t>
             </a:r>
             <a:r>
               <a:rPr lang="en-US" sz="2000" kern="0" dirty="0">
-                <a:solidFill>
-                  <a:srgbClr val="0000FF"/>
-                </a:solidFill>
-                <a:latin typeface="+mn-lt"/>
-                <a:cs typeface="+mn-cs"/>
-              </a:rPr>
-              <a:t>+d</a:t>
-            </a:r>
-            <a:r>
-              <a:rPr lang="en-US" sz="2000" kern="0" dirty="0">
-                <a:latin typeface="+mn-lt"/>
-                <a:cs typeface="+mn-cs"/>
-              </a:rPr>
-              <a:t> </a:t>
-            </a:r>
-            <a:r>
-              <a:rPr lang="en-US" sz="2000" kern="0" dirty="0">
-                <a:latin typeface="+mn-lt"/>
-                <a:cs typeface="+mn-cs"/>
                 <a:sym typeface="Wingdings" panose="05000000000000000000" pitchFamily="2" charset="2"/>
               </a:rPr>
-              <a:t> Print the sign (+ or -) of the number.</a:t>
-            </a:r>
-            <a:endParaRPr lang="en-US" sz="2000" kern="0" dirty="0">
-              <a:latin typeface="+mn-lt"/>
-              <a:cs typeface="+mn-cs"/>
-            </a:endParaRPr>
+              <a:t> Pad the number to 3 characters with spaces.  "  7"</a:t>
+            </a:r>
+            <a:endParaRPr lang="en-US" sz="2000" kern="0" dirty="0"/>
           </a:p>
           <a:p>
             <a:pPr marL="800100" lvl="1" indent="-342900">
@@ -21477,14 +21544,14 @@
               <a:defRPr/>
             </a:pPr>
             <a:r>
-              <a:rPr lang="en-US" sz="2000" kern="0" dirty="0">
+              <a:rPr lang="en-US" sz="2000" b="1" kern="0" dirty="0">
                 <a:latin typeface="+mn-lt"/>
                 <a:cs typeface="+mn-cs"/>
               </a:rPr>
               <a:t>Flags with </a:t>
             </a:r>
             <a:r>
-              <a:rPr lang="en-US" sz="2000" kern="0" dirty="0" err="1">
+              <a:rPr lang="en-US" sz="2000" b="1" kern="0" dirty="0" err="1">
                 <a:latin typeface="+mn-lt"/>
                 <a:cs typeface="+mn-cs"/>
               </a:rPr>
@@ -21519,7 +21586,7 @@
               <a:rPr lang="en-US" sz="2000" kern="0" dirty="0">
                 <a:sym typeface="Wingdings" panose="05000000000000000000" pitchFamily="2" charset="2"/>
               </a:rPr>
-              <a:t>Pad the number to 3 characters with 0.</a:t>
+              <a:t>Pad the number to 3 characters with 0. "007"</a:t>
             </a:r>
           </a:p>
           <a:p>
@@ -21538,37 +21605,44 @@
               <a:defRPr/>
             </a:pPr>
             <a:r>
+              <a:rPr lang="en-US" sz="2000" b="1" kern="0" dirty="0">
+                <a:latin typeface="+mn-lt"/>
+                <a:cs typeface="+mn-cs"/>
+                <a:sym typeface="Wingdings" panose="05000000000000000000" pitchFamily="2" charset="2"/>
+              </a:rPr>
+              <a:t>.p</a:t>
+            </a:r>
+            <a:r>
+              <a:rPr lang="en-US" sz="2000" b="1" kern="0" dirty="0">
+                <a:latin typeface="+mn-lt"/>
+                <a:cs typeface="+mn-cs"/>
+              </a:rPr>
+              <a:t>recision</a:t>
+            </a:r>
+            <a:r>
+              <a:rPr lang="en-US" sz="2000" kern="0" dirty="0">
+                <a:latin typeface="+mn-lt"/>
+                <a:cs typeface="+mn-cs"/>
+              </a:rPr>
+              <a:t>: </a:t>
+            </a:r>
+            <a:r>
+              <a:rPr lang="en-US" sz="2000" kern="0" dirty="0">
+                <a:solidFill>
+                  <a:srgbClr val="0000FF"/>
+                </a:solidFill>
+                <a:latin typeface="+mn-lt"/>
+                <a:cs typeface="+mn-cs"/>
+              </a:rPr>
+              <a:t>%.4lf </a:t>
+            </a:r>
+            <a:r>
               <a:rPr lang="en-US" sz="2000" kern="0" dirty="0">
                 <a:latin typeface="+mn-lt"/>
                 <a:cs typeface="+mn-cs"/>
                 <a:sym typeface="Wingdings" panose="05000000000000000000" pitchFamily="2" charset="2"/>
               </a:rPr>
-              <a:t>.p</a:t>
-            </a:r>
-            <a:r>
-              <a:rPr lang="en-US" sz="2000" kern="0" dirty="0">
-                <a:latin typeface="+mn-lt"/>
-                <a:cs typeface="+mn-cs"/>
-              </a:rPr>
-              <a:t>recision: </a:t>
-            </a:r>
-            <a:r>
-              <a:rPr lang="en-US" sz="2000" kern="0" dirty="0">
-                <a:solidFill>
-                  <a:srgbClr val="0000FF"/>
-                </a:solidFill>
-                <a:latin typeface="+mn-lt"/>
-                <a:cs typeface="+mn-cs"/>
-              </a:rPr>
-              <a:t>%.4lf </a:t>
-            </a:r>
-            <a:r>
-              <a:rPr lang="en-US" sz="2000" kern="0" dirty="0">
-                <a:latin typeface="+mn-lt"/>
-                <a:cs typeface="+mn-cs"/>
-                <a:sym typeface="Wingdings" panose="05000000000000000000" pitchFamily="2" charset="2"/>
-              </a:rPr>
-              <a:t> Print 4 digits after the decimal point.</a:t>
+              <a:t> Print 4 digits after the decimal point. "7.0000"</a:t>
             </a:r>
             <a:endParaRPr lang="en-US" sz="2000" kern="0" dirty="0">
               <a:latin typeface="+mn-lt"/>
@@ -22677,7 +22751,7 @@
         <p:spPr>
           <a:xfrm>
             <a:off x="5631092" y="2466420"/>
-            <a:ext cx="2598508" cy="646331"/>
+            <a:ext cx="2945348" cy="646331"/>
           </a:xfrm>
           <a:prstGeom prst="rect">
             <a:avLst/>
@@ -22729,7 +22803,7 @@
         <p:spPr>
           <a:xfrm>
             <a:off x="5631092" y="3883025"/>
-            <a:ext cx="2598509" cy="646331"/>
+            <a:ext cx="2945349" cy="923330"/>
           </a:xfrm>
           <a:prstGeom prst="rect">
             <a:avLst/>
@@ -22761,7 +22835,7 @@
           <a:p>
             <a:r>
               <a:rPr lang="en-US" dirty="0"/>
-              <a:t>Access stack frame for non-existent values.</a:t>
+              <a:t>Access and print the contents of the stack frame as strings.</a:t>
             </a:r>
           </a:p>
         </p:txBody>
@@ -22780,8 +22854,8 @@
         </p:nvSpPr>
         <p:spPr>
           <a:xfrm>
-            <a:off x="6164494" y="5428283"/>
-            <a:ext cx="2061680" cy="646331"/>
+            <a:off x="5675402" y="5428283"/>
+            <a:ext cx="2901039" cy="923330"/>
           </a:xfrm>
           <a:prstGeom prst="rect">
             <a:avLst/>
@@ -22813,7 +22887,21 @@
           <a:p>
             <a:r>
               <a:rPr lang="en-US" dirty="0"/>
-              <a:t>The input may contain specifiers.</a:t>
+              <a:t>Output the content of the stack frame if the input is a specifier (</a:t>
+            </a:r>
+            <a:r>
+              <a:rPr lang="pt-BR" sz="1800" b="1" dirty="0">
+                <a:solidFill>
+                  <a:srgbClr val="FF0000"/>
+                </a:solidFill>
+                <a:latin typeface="Courier New" pitchFamily="49" charset="0"/>
+                <a:cs typeface="Courier New" pitchFamily="49" charset="0"/>
+              </a:rPr>
+              <a:t>%s</a:t>
+            </a:r>
+            <a:r>
+              <a:rPr lang="en-US" dirty="0"/>
+              <a:t>).</a:t>
             </a:r>
           </a:p>
         </p:txBody>
@@ -25067,8 +25155,8 @@
         </p:nvSpPr>
         <p:spPr>
           <a:xfrm>
-            <a:off x="3639833" y="1976112"/>
-            <a:ext cx="2789008" cy="369332"/>
+            <a:off x="3639833" y="1771157"/>
+            <a:ext cx="2469305" cy="646331"/>
           </a:xfrm>
           <a:prstGeom prst="rect">
             <a:avLst/>
@@ -25100,7 +25188,7 @@
           <a:p>
             <a:r>
               <a:rPr lang="en-US" dirty="0"/>
-              <a:t>Reading may have failed.</a:t>
+              <a:t>a may be uninitialized if the reading fails.</a:t>
             </a:r>
           </a:p>
         </p:txBody>
